--- a/unlvr_viz/new_design/ppt/Final_F.pptx
+++ b/unlvr_viz/new_design/ppt/Final_F.pptx
@@ -215,7 +215,7 @@
           <a:p>
             <a:fld id="{E9A9173D-B691-4BD6-9BCA-73129A31E3AD}" type="datetimeFigureOut">
               <a:rPr lang="es-CO" smtClean="0"/>
-              <a:t>27/02/2016</a:t>
+              <a:t>28/02/2016</a:t>
             </a:fld>
             <a:endParaRPr lang="es-CO"/>
           </a:p>
@@ -1118,7 +1118,7 @@
           <a:p>
             <a:fld id="{F47D8D99-AB75-40A3-AAEB-B056E1874216}" type="datetimeFigureOut">
               <a:rPr lang="es-ES" smtClean="0"/>
-              <a:t>27/02/2016</a:t>
+              <a:t>28/02/2016</a:t>
             </a:fld>
             <a:endParaRPr lang="es-ES"/>
           </a:p>
@@ -1288,7 +1288,7 @@
           <a:p>
             <a:fld id="{F47D8D99-AB75-40A3-AAEB-B056E1874216}" type="datetimeFigureOut">
               <a:rPr lang="es-ES" smtClean="0"/>
-              <a:t>27/02/2016</a:t>
+              <a:t>28/02/2016</a:t>
             </a:fld>
             <a:endParaRPr lang="es-ES"/>
           </a:p>
@@ -1468,7 +1468,7 @@
           <a:p>
             <a:fld id="{F47D8D99-AB75-40A3-AAEB-B056E1874216}" type="datetimeFigureOut">
               <a:rPr lang="es-ES" smtClean="0"/>
-              <a:t>27/02/2016</a:t>
+              <a:t>28/02/2016</a:t>
             </a:fld>
             <a:endParaRPr lang="es-ES"/>
           </a:p>
@@ -1638,7 +1638,7 @@
           <a:p>
             <a:fld id="{F47D8D99-AB75-40A3-AAEB-B056E1874216}" type="datetimeFigureOut">
               <a:rPr lang="es-ES" smtClean="0"/>
-              <a:t>27/02/2016</a:t>
+              <a:t>28/02/2016</a:t>
             </a:fld>
             <a:endParaRPr lang="es-ES"/>
           </a:p>
@@ -1884,7 +1884,7 @@
           <a:p>
             <a:fld id="{F47D8D99-AB75-40A3-AAEB-B056E1874216}" type="datetimeFigureOut">
               <a:rPr lang="es-ES" smtClean="0"/>
-              <a:t>27/02/2016</a:t>
+              <a:t>28/02/2016</a:t>
             </a:fld>
             <a:endParaRPr lang="es-ES"/>
           </a:p>
@@ -2116,7 +2116,7 @@
           <a:p>
             <a:fld id="{F47D8D99-AB75-40A3-AAEB-B056E1874216}" type="datetimeFigureOut">
               <a:rPr lang="es-ES" smtClean="0"/>
-              <a:t>27/02/2016</a:t>
+              <a:t>28/02/2016</a:t>
             </a:fld>
             <a:endParaRPr lang="es-ES"/>
           </a:p>
@@ -2483,7 +2483,7 @@
           <a:p>
             <a:fld id="{F47D8D99-AB75-40A3-AAEB-B056E1874216}" type="datetimeFigureOut">
               <a:rPr lang="es-ES" smtClean="0"/>
-              <a:t>27/02/2016</a:t>
+              <a:t>28/02/2016</a:t>
             </a:fld>
             <a:endParaRPr lang="es-ES"/>
           </a:p>
@@ -2601,7 +2601,7 @@
           <a:p>
             <a:fld id="{F47D8D99-AB75-40A3-AAEB-B056E1874216}" type="datetimeFigureOut">
               <a:rPr lang="es-ES" smtClean="0"/>
-              <a:t>27/02/2016</a:t>
+              <a:t>28/02/2016</a:t>
             </a:fld>
             <a:endParaRPr lang="es-ES"/>
           </a:p>
@@ -2696,7 +2696,7 @@
           <a:p>
             <a:fld id="{F47D8D99-AB75-40A3-AAEB-B056E1874216}" type="datetimeFigureOut">
               <a:rPr lang="es-ES" smtClean="0"/>
-              <a:t>27/02/2016</a:t>
+              <a:t>28/02/2016</a:t>
             </a:fld>
             <a:endParaRPr lang="es-ES"/>
           </a:p>
@@ -2973,7 +2973,7 @@
           <a:p>
             <a:fld id="{F47D8D99-AB75-40A3-AAEB-B056E1874216}" type="datetimeFigureOut">
               <a:rPr lang="es-ES" smtClean="0"/>
-              <a:t>27/02/2016</a:t>
+              <a:t>28/02/2016</a:t>
             </a:fld>
             <a:endParaRPr lang="es-ES"/>
           </a:p>
@@ -3226,7 +3226,7 @@
           <a:p>
             <a:fld id="{F47D8D99-AB75-40A3-AAEB-B056E1874216}" type="datetimeFigureOut">
               <a:rPr lang="es-ES" smtClean="0"/>
-              <a:t>27/02/2016</a:t>
+              <a:t>28/02/2016</a:t>
             </a:fld>
             <a:endParaRPr lang="es-ES"/>
           </a:p>
@@ -3439,7 +3439,7 @@
           <a:p>
             <a:fld id="{F47D8D99-AB75-40A3-AAEB-B056E1874216}" type="datetimeFigureOut">
               <a:rPr lang="es-ES" smtClean="0"/>
-              <a:t>27/02/2016</a:t>
+              <a:t>28/02/2016</a:t>
             </a:fld>
             <a:endParaRPr lang="es-ES"/>
           </a:p>
@@ -6095,7 +6095,7 @@
         </p:blipFill>
         <p:spPr>
           <a:xfrm>
-            <a:off x="0" y="1437632"/>
+            <a:off x="0" y="1342096"/>
             <a:ext cx="2565400" cy="4229100"/>
           </a:xfrm>
           <a:prstGeom prst="rect">
@@ -6131,7 +6131,7 @@
         </p:blipFill>
         <p:spPr>
           <a:xfrm>
-            <a:off x="31316" y="2025540"/>
+            <a:off x="31316" y="1930004"/>
             <a:ext cx="2519973" cy="3885023"/>
           </a:xfrm>
           <a:prstGeom prst="rect">
@@ -6316,7 +6316,7 @@
         </p:nvSpPr>
         <p:spPr>
           <a:xfrm>
-            <a:off x="1960790" y="418656"/>
+            <a:off x="1933494" y="418656"/>
             <a:ext cx="760130" cy="307777"/>
           </a:xfrm>
           <a:prstGeom prst="rect">
@@ -6590,41 +6590,6 @@
           </a:prstGeom>
         </p:spPr>
       </p:pic>
-      <p:cxnSp>
-        <p:nvCxnSpPr>
-          <p:cNvPr id="63" name="Straight Connector 62"/>
-          <p:cNvCxnSpPr/>
-          <p:nvPr/>
-        </p:nvCxnSpPr>
-        <p:spPr>
-          <a:xfrm flipV="1">
-            <a:off x="1887383" y="301896"/>
-            <a:ext cx="7895" cy="535352"/>
-          </a:xfrm>
-          <a:prstGeom prst="line">
-            <a:avLst/>
-          </a:prstGeom>
-          <a:ln>
-            <a:solidFill>
-              <a:schemeClr val="bg2"/>
-            </a:solidFill>
-          </a:ln>
-        </p:spPr>
-        <p:style>
-          <a:lnRef idx="1">
-            <a:schemeClr val="accent1"/>
-          </a:lnRef>
-          <a:fillRef idx="0">
-            <a:schemeClr val="accent1"/>
-          </a:fillRef>
-          <a:effectRef idx="0">
-            <a:schemeClr val="accent1"/>
-          </a:effectRef>
-          <a:fontRef idx="minor">
-            <a:schemeClr val="tx1"/>
-          </a:fontRef>
-        </p:style>
-      </p:cxnSp>
       <p:pic>
         <p:nvPicPr>
           <p:cNvPr id="6" name="Picture 5"/>
@@ -6653,7 +6618,7 @@
         </p:blipFill>
         <p:spPr>
           <a:xfrm>
-            <a:off x="31316" y="1209298"/>
+            <a:off x="31316" y="1113762"/>
             <a:ext cx="557384" cy="545533"/>
           </a:xfrm>
           <a:prstGeom prst="rect">
@@ -6736,8 +6701,8 @@
         </p:blipFill>
         <p:spPr>
           <a:xfrm>
-            <a:off x="0" y="1437632"/>
-            <a:ext cx="794941" cy="919806"/>
+            <a:off x="1" y="1369392"/>
+            <a:ext cx="682388" cy="582237"/>
           </a:xfrm>
           <a:prstGeom prst="rect">
             <a:avLst/>
@@ -6772,8 +6737,8 @@
         </p:blipFill>
         <p:spPr>
           <a:xfrm>
-            <a:off x="31316" y="1696923"/>
-            <a:ext cx="780865" cy="763390"/>
+            <a:off x="31316" y="1369392"/>
+            <a:ext cx="780865" cy="663242"/>
           </a:xfrm>
           <a:prstGeom prst="rect">
             <a:avLst/>
@@ -6811,13 +6776,13 @@
       </p:pic>
       <p:cxnSp>
         <p:nvCxnSpPr>
-          <p:cNvPr id="14" name="Straight Connector 13"/>
+          <p:cNvPr id="18" name="Straight Connector 17"/>
           <p:cNvCxnSpPr/>
           <p:nvPr/>
         </p:nvCxnSpPr>
         <p:spPr>
           <a:xfrm flipV="1">
-            <a:off x="6968178" y="310174"/>
+            <a:off x="4026898" y="301896"/>
             <a:ext cx="7895" cy="535352"/>
           </a:xfrm>
           <a:prstGeom prst="line">
@@ -6844,111 +6809,6 @@
           </a:fontRef>
         </p:style>
       </p:cxnSp>
-      <p:cxnSp>
-        <p:nvCxnSpPr>
-          <p:cNvPr id="15" name="Straight Connector 14"/>
-          <p:cNvCxnSpPr/>
-          <p:nvPr/>
-        </p:nvCxnSpPr>
-        <p:spPr>
-          <a:xfrm flipV="1">
-            <a:off x="5579877" y="310174"/>
-            <a:ext cx="7895" cy="535352"/>
-          </a:xfrm>
-          <a:prstGeom prst="line">
-            <a:avLst/>
-          </a:prstGeom>
-          <a:ln>
-            <a:solidFill>
-              <a:schemeClr val="bg2"/>
-            </a:solidFill>
-          </a:ln>
-        </p:spPr>
-        <p:style>
-          <a:lnRef idx="1">
-            <a:schemeClr val="accent1"/>
-          </a:lnRef>
-          <a:fillRef idx="0">
-            <a:schemeClr val="accent1"/>
-          </a:fillRef>
-          <a:effectRef idx="0">
-            <a:schemeClr val="accent1"/>
-          </a:effectRef>
-          <a:fontRef idx="minor">
-            <a:schemeClr val="tx1"/>
-          </a:fontRef>
-        </p:style>
-      </p:cxnSp>
-      <p:cxnSp>
-        <p:nvCxnSpPr>
-          <p:cNvPr id="18" name="Straight Connector 17"/>
-          <p:cNvCxnSpPr/>
-          <p:nvPr/>
-        </p:nvCxnSpPr>
-        <p:spPr>
-          <a:xfrm flipV="1">
-            <a:off x="2907778" y="301896"/>
-            <a:ext cx="7895" cy="535352"/>
-          </a:xfrm>
-          <a:prstGeom prst="line">
-            <a:avLst/>
-          </a:prstGeom>
-          <a:ln>
-            <a:solidFill>
-              <a:schemeClr val="bg2"/>
-            </a:solidFill>
-          </a:ln>
-        </p:spPr>
-        <p:style>
-          <a:lnRef idx="1">
-            <a:schemeClr val="accent1"/>
-          </a:lnRef>
-          <a:fillRef idx="0">
-            <a:schemeClr val="accent1"/>
-          </a:fillRef>
-          <a:effectRef idx="0">
-            <a:schemeClr val="accent1"/>
-          </a:effectRef>
-          <a:fontRef idx="minor">
-            <a:schemeClr val="tx1"/>
-          </a:fontRef>
-        </p:style>
-      </p:cxnSp>
-      <p:cxnSp>
-        <p:nvCxnSpPr>
-          <p:cNvPr id="23" name="Straight Connector 22"/>
-          <p:cNvCxnSpPr/>
-          <p:nvPr/>
-        </p:nvCxnSpPr>
-        <p:spPr>
-          <a:xfrm flipV="1">
-            <a:off x="4065709" y="308180"/>
-            <a:ext cx="7895" cy="535352"/>
-          </a:xfrm>
-          <a:prstGeom prst="line">
-            <a:avLst/>
-          </a:prstGeom>
-          <a:ln>
-            <a:solidFill>
-              <a:schemeClr val="bg2"/>
-            </a:solidFill>
-          </a:ln>
-        </p:spPr>
-        <p:style>
-          <a:lnRef idx="1">
-            <a:schemeClr val="accent1"/>
-          </a:lnRef>
-          <a:fillRef idx="0">
-            <a:schemeClr val="accent1"/>
-          </a:fillRef>
-          <a:effectRef idx="0">
-            <a:schemeClr val="accent1"/>
-          </a:effectRef>
-          <a:fontRef idx="minor">
-            <a:schemeClr val="tx1"/>
-          </a:fontRef>
-        </p:style>
-      </p:cxnSp>
       <p:sp>
         <p:nvSpPr>
           <p:cNvPr id="39" name="TextBox 38"/>
@@ -6957,8 +6817,8 @@
         </p:nvSpPr>
         <p:spPr>
           <a:xfrm>
-            <a:off x="1960790" y="418656"/>
-            <a:ext cx="760130" cy="307777"/>
+            <a:off x="2220103" y="418656"/>
+            <a:ext cx="1492094" cy="307777"/>
           </a:xfrm>
           <a:prstGeom prst="rect">
             <a:avLst/>
@@ -6984,10 +6844,10 @@
           </a:lstStyle>
           <a:p>
             <a:r>
-              <a:rPr lang="en-GB" b="0" dirty="0">
+              <a:rPr lang="en-GB" b="0" dirty="0" smtClean="0">
                 <a:effectLst/>
               </a:rPr>
-              <a:t>Home</a:t>
+              <a:t>Back to Home</a:t>
             </a:r>
             <a:endParaRPr lang="es-CO" b="0" dirty="0">
               <a:effectLst/>
@@ -6997,53 +6857,13 @@
       </p:sp>
       <p:sp>
         <p:nvSpPr>
-          <p:cNvPr id="48" name="TextBox 47"/>
-          <p:cNvSpPr txBox="1"/>
-          <p:nvPr/>
-        </p:nvSpPr>
-        <p:spPr>
-          <a:xfrm>
-            <a:off x="7080992" y="418656"/>
-            <a:ext cx="1304925" cy="307777"/>
-          </a:xfrm>
-          <a:prstGeom prst="rect">
-            <a:avLst/>
-          </a:prstGeom>
-          <a:noFill/>
-        </p:spPr>
-        <p:txBody>
-          <a:bodyPr wrap="square" rtlCol="0">
-            <a:spAutoFit/>
-          </a:bodyPr>
-          <a:lstStyle/>
-          <a:p>
-            <a:r>
-              <a:rPr lang="en-GB" sz="1400" dirty="0">
-                <a:solidFill>
-                  <a:srgbClr val="007DBB"/>
-                </a:solidFill>
-                <a:latin typeface="Arial Rounded MT Bold" panose="020F0704030504030204" pitchFamily="34" charset="0"/>
-              </a:rPr>
-              <a:t>Optimise</a:t>
-            </a:r>
-            <a:endParaRPr lang="es-CO" sz="1400" dirty="0">
-              <a:solidFill>
-                <a:srgbClr val="007DBB"/>
-              </a:solidFill>
-              <a:latin typeface="Arial Rounded MT Bold" panose="020F0704030504030204" pitchFamily="34" charset="0"/>
-            </a:endParaRPr>
-          </a:p>
-        </p:txBody>
-      </p:sp>
-      <p:sp>
-        <p:nvSpPr>
           <p:cNvPr id="44" name="TextBox 43"/>
           <p:cNvSpPr txBox="1"/>
           <p:nvPr/>
         </p:nvSpPr>
         <p:spPr>
           <a:xfrm>
-            <a:off x="2977237" y="418656"/>
+            <a:off x="4096357" y="418656"/>
             <a:ext cx="1165826" cy="307777"/>
           </a:xfrm>
           <a:prstGeom prst="rect">
@@ -7095,86 +6915,6 @@
           </a:p>
         </p:txBody>
       </p:sp>
-      <p:sp>
-        <p:nvSpPr>
-          <p:cNvPr id="46" name="TextBox 45"/>
-          <p:cNvSpPr txBox="1"/>
-          <p:nvPr/>
-        </p:nvSpPr>
-        <p:spPr>
-          <a:xfrm>
-            <a:off x="4138810" y="418656"/>
-            <a:ext cx="1165826" cy="307777"/>
-          </a:xfrm>
-          <a:prstGeom prst="rect">
-            <a:avLst/>
-          </a:prstGeom>
-          <a:noFill/>
-        </p:spPr>
-        <p:txBody>
-          <a:bodyPr wrap="square" rtlCol="0">
-            <a:spAutoFit/>
-          </a:bodyPr>
-          <a:lstStyle/>
-          <a:p>
-            <a:r>
-              <a:rPr lang="en-GB" sz="1400" dirty="0">
-                <a:solidFill>
-                  <a:srgbClr val="00A7DD"/>
-                </a:solidFill>
-                <a:latin typeface="Arial Rounded MT Bold" panose="020F0704030504030204" pitchFamily="34" charset="0"/>
-              </a:rPr>
-              <a:t>Investigate</a:t>
-            </a:r>
-            <a:endParaRPr lang="es-CO" sz="1400" dirty="0">
-              <a:solidFill>
-                <a:srgbClr val="00A7DD"/>
-              </a:solidFill>
-              <a:latin typeface="Arial Rounded MT Bold" panose="020F0704030504030204" pitchFamily="34" charset="0"/>
-            </a:endParaRPr>
-          </a:p>
-        </p:txBody>
-      </p:sp>
-      <p:sp>
-        <p:nvSpPr>
-          <p:cNvPr id="53" name="TextBox 52"/>
-          <p:cNvSpPr txBox="1"/>
-          <p:nvPr/>
-        </p:nvSpPr>
-        <p:spPr>
-          <a:xfrm>
-            <a:off x="5671148" y="418656"/>
-            <a:ext cx="1304925" cy="307777"/>
-          </a:xfrm>
-          <a:prstGeom prst="rect">
-            <a:avLst/>
-          </a:prstGeom>
-          <a:noFill/>
-        </p:spPr>
-        <p:txBody>
-          <a:bodyPr wrap="square" rtlCol="0">
-            <a:spAutoFit/>
-          </a:bodyPr>
-          <a:lstStyle/>
-          <a:p>
-            <a:r>
-              <a:rPr lang="en-GB" sz="1400" dirty="0">
-                <a:solidFill>
-                  <a:srgbClr val="04AEDA"/>
-                </a:solidFill>
-                <a:latin typeface="Arial Rounded MT Bold" panose="020F0704030504030204" pitchFamily="34" charset="0"/>
-              </a:rPr>
-              <a:t>Explore</a:t>
-            </a:r>
-            <a:endParaRPr lang="es-CO" sz="1400" dirty="0">
-              <a:solidFill>
-                <a:srgbClr val="04AEDA"/>
-              </a:solidFill>
-              <a:latin typeface="Arial Rounded MT Bold" panose="020F0704030504030204" pitchFamily="34" charset="0"/>
-            </a:endParaRPr>
-          </a:p>
-        </p:txBody>
-      </p:sp>
       <p:pic>
         <p:nvPicPr>
           <p:cNvPr id="35" name="Picture 34"/>
@@ -7235,191 +6975,6 @@
           </a:prstGeom>
         </p:spPr>
       </p:pic>
-      <p:cxnSp>
-        <p:nvCxnSpPr>
-          <p:cNvPr id="63" name="Straight Connector 62"/>
-          <p:cNvCxnSpPr/>
-          <p:nvPr/>
-        </p:nvCxnSpPr>
-        <p:spPr>
-          <a:xfrm flipV="1">
-            <a:off x="1887383" y="301896"/>
-            <a:ext cx="7895" cy="535352"/>
-          </a:xfrm>
-          <a:prstGeom prst="line">
-            <a:avLst/>
-          </a:prstGeom>
-          <a:ln>
-            <a:solidFill>
-              <a:schemeClr val="bg2"/>
-            </a:solidFill>
-          </a:ln>
-        </p:spPr>
-        <p:style>
-          <a:lnRef idx="1">
-            <a:schemeClr val="accent1"/>
-          </a:lnRef>
-          <a:fillRef idx="0">
-            <a:schemeClr val="accent1"/>
-          </a:fillRef>
-          <a:effectRef idx="0">
-            <a:schemeClr val="accent1"/>
-          </a:effectRef>
-          <a:fontRef idx="minor">
-            <a:schemeClr val="tx1"/>
-          </a:fontRef>
-        </p:style>
-      </p:cxnSp>
-      <p:sp>
-        <p:nvSpPr>
-          <p:cNvPr id="66" name="TextBox 65"/>
-          <p:cNvSpPr txBox="1"/>
-          <p:nvPr/>
-        </p:nvSpPr>
-        <p:spPr>
-          <a:xfrm>
-            <a:off x="3576272" y="1260000"/>
-            <a:ext cx="2066517" cy="261610"/>
-          </a:xfrm>
-          <a:prstGeom prst="rect">
-            <a:avLst/>
-          </a:prstGeom>
-          <a:noFill/>
-        </p:spPr>
-        <p:txBody>
-          <a:bodyPr wrap="square" rtlCol="0">
-            <a:spAutoFit/>
-          </a:bodyPr>
-          <a:lstStyle/>
-          <a:p>
-            <a:r>
-              <a:rPr lang="en-GB" sz="1100" dirty="0" smtClean="0">
-                <a:solidFill>
-                  <a:srgbClr val="024B76"/>
-                </a:solidFill>
-                <a:latin typeface="Arial Rounded MT Bold" panose="020F0704030504030204" pitchFamily="34" charset="0"/>
-              </a:rPr>
-              <a:t>General modelling options</a:t>
-            </a:r>
-            <a:endParaRPr lang="es-CO" sz="1100" dirty="0">
-              <a:solidFill>
-                <a:srgbClr val="024B76"/>
-              </a:solidFill>
-              <a:latin typeface="Arial Rounded MT Bold" panose="020F0704030504030204" pitchFamily="34" charset="0"/>
-            </a:endParaRPr>
-          </a:p>
-        </p:txBody>
-      </p:sp>
-      <p:sp>
-        <p:nvSpPr>
-          <p:cNvPr id="76" name="TextBox 75"/>
-          <p:cNvSpPr txBox="1"/>
-          <p:nvPr/>
-        </p:nvSpPr>
-        <p:spPr>
-          <a:xfrm>
-            <a:off x="998587" y="1260000"/>
-            <a:ext cx="1777591" cy="261610"/>
-          </a:xfrm>
-          <a:prstGeom prst="rect">
-            <a:avLst/>
-          </a:prstGeom>
-          <a:noFill/>
-        </p:spPr>
-        <p:txBody>
-          <a:bodyPr wrap="square" rtlCol="0">
-            <a:spAutoFit/>
-          </a:bodyPr>
-          <a:lstStyle>
-            <a:defPPr>
-              <a:defRPr lang="es-ES"/>
-            </a:defPPr>
-            <a:lvl1pPr>
-              <a:defRPr sz="1400" b="1">
-                <a:solidFill>
-                  <a:srgbClr val="007DBB"/>
-                </a:solidFill>
-                <a:latin typeface="Arial Rounded MT Bold" panose="020F0704030504030204" pitchFamily="34" charset="0"/>
-              </a:defRPr>
-            </a:lvl1pPr>
-          </a:lstStyle>
-          <a:p>
-            <a:r>
-              <a:rPr lang="en-GB" sz="1100" b="0" dirty="0" smtClean="0">
-                <a:solidFill>
-                  <a:srgbClr val="024B76"/>
-                </a:solidFill>
-              </a:rPr>
-              <a:t>Specify cells in scope</a:t>
-            </a:r>
-            <a:endParaRPr lang="es-CO" sz="1100" b="0" dirty="0">
-              <a:solidFill>
-                <a:srgbClr val="024B76"/>
-              </a:solidFill>
-            </a:endParaRPr>
-          </a:p>
-        </p:txBody>
-      </p:sp>
-      <p:pic>
-        <p:nvPicPr>
-          <p:cNvPr id="81" name="Picture 80"/>
-          <p:cNvPicPr>
-            <a:picLocks noChangeAspect="1"/>
-          </p:cNvPicPr>
-          <p:nvPr/>
-        </p:nvPicPr>
-        <p:blipFill>
-          <a:blip r:embed="rId8" cstate="print">
-            <a:extLst>
-              <a:ext uri="{28A0092B-C50C-407E-A947-70E740481C1C}">
-                <a14:useLocalDpi xmlns:a14="http://schemas.microsoft.com/office/drawing/2010/main" val="0"/>
-              </a:ext>
-            </a:extLst>
-          </a:blip>
-          <a:stretch>
-            <a:fillRect/>
-          </a:stretch>
-        </p:blipFill>
-        <p:spPr>
-          <a:xfrm>
-            <a:off x="812181" y="1260000"/>
-            <a:ext cx="228211" cy="228600"/>
-          </a:xfrm>
-          <a:prstGeom prst="rect">
-            <a:avLst/>
-          </a:prstGeom>
-        </p:spPr>
-      </p:pic>
-      <p:pic>
-        <p:nvPicPr>
-          <p:cNvPr id="84" name="Picture 83"/>
-          <p:cNvPicPr>
-            <a:picLocks noChangeAspect="1"/>
-          </p:cNvPicPr>
-          <p:nvPr/>
-        </p:nvPicPr>
-        <p:blipFill>
-          <a:blip r:embed="rId9" cstate="print">
-            <a:extLst>
-              <a:ext uri="{28A0092B-C50C-407E-A947-70E740481C1C}">
-                <a14:useLocalDpi xmlns:a14="http://schemas.microsoft.com/office/drawing/2010/main" val="0"/>
-              </a:ext>
-            </a:extLst>
-          </a:blip>
-          <a:stretch>
-            <a:fillRect/>
-          </a:stretch>
-        </p:blipFill>
-        <p:spPr>
-          <a:xfrm>
-            <a:off x="3389866" y="1260000"/>
-            <a:ext cx="225369" cy="228600"/>
-          </a:xfrm>
-          <a:prstGeom prst="rect">
-            <a:avLst/>
-          </a:prstGeom>
-        </p:spPr>
-      </p:pic>
       <p:pic>
         <p:nvPicPr>
           <p:cNvPr id="2" name="Picture 1"/>
@@ -7429,7 +6984,7 @@
           <p:nvPr/>
         </p:nvPicPr>
         <p:blipFill rotWithShape="1">
-          <a:blip r:embed="rId10">
+          <a:blip r:embed="rId8">
             <a:duotone>
               <a:schemeClr val="accent6">
                 <a:shade val="45000"/>
@@ -7448,7 +7003,7 @@
         </p:blipFill>
         <p:spPr>
           <a:xfrm>
-            <a:off x="0" y="1203013"/>
+            <a:off x="0" y="1134773"/>
             <a:ext cx="536984" cy="530372"/>
           </a:xfrm>
           <a:prstGeom prst="rect">
@@ -7474,7 +7029,7 @@
         </p:nvCxnSpPr>
         <p:spPr>
           <a:xfrm flipV="1">
-            <a:off x="812181" y="1548000"/>
+            <a:off x="812181" y="1698244"/>
             <a:ext cx="2473944" cy="1663"/>
           </a:xfrm>
           <a:prstGeom prst="line">
@@ -7508,9 +7063,44 @@
           <p:nvPr/>
         </p:nvCxnSpPr>
         <p:spPr>
+          <a:xfrm>
+            <a:off x="3294020" y="1698244"/>
+            <a:ext cx="3682053" cy="0"/>
+          </a:xfrm>
+          <a:prstGeom prst="line">
+            <a:avLst/>
+          </a:prstGeom>
+          <a:ln>
+            <a:solidFill>
+              <a:schemeClr val="bg2"/>
+            </a:solidFill>
+          </a:ln>
+        </p:spPr>
+        <p:style>
+          <a:lnRef idx="1">
+            <a:schemeClr val="accent1"/>
+          </a:lnRef>
+          <a:fillRef idx="0">
+            <a:schemeClr val="accent1"/>
+          </a:fillRef>
+          <a:effectRef idx="0">
+            <a:schemeClr val="accent1"/>
+          </a:effectRef>
+          <a:fontRef idx="minor">
+            <a:schemeClr val="tx1"/>
+          </a:fontRef>
+        </p:style>
+      </p:cxnSp>
+      <p:cxnSp>
+        <p:nvCxnSpPr>
+          <p:cNvPr id="20" name="Straight Connector 19"/>
+          <p:cNvCxnSpPr/>
+          <p:nvPr/>
+        </p:nvCxnSpPr>
+        <p:spPr>
           <a:xfrm flipV="1">
-            <a:off x="3389866" y="1548000"/>
-            <a:ext cx="2473944" cy="1663"/>
+            <a:off x="1887383" y="301896"/>
+            <a:ext cx="7895" cy="535352"/>
           </a:xfrm>
           <a:prstGeom prst="line">
             <a:avLst/>
@@ -7575,7 +7165,7 @@
       </p:grpSpPr>
       <p:pic>
         <p:nvPicPr>
-          <p:cNvPr id="27" name="Picture 26"/>
+          <p:cNvPr id="29" name="Picture 28"/>
           <p:cNvPicPr>
             <a:picLocks noChangeAspect="1"/>
           </p:cNvPicPr>
@@ -7601,8 +7191,8 @@
         </p:blipFill>
         <p:spPr>
           <a:xfrm>
-            <a:off x="0" y="1437632"/>
-            <a:ext cx="794941" cy="919806"/>
+            <a:off x="1" y="1369392"/>
+            <a:ext cx="682388" cy="582237"/>
           </a:xfrm>
           <a:prstGeom prst="rect">
             <a:avLst/>
@@ -7611,7 +7201,7 @@
       </p:pic>
       <p:pic>
         <p:nvPicPr>
-          <p:cNvPr id="28" name="Picture 27"/>
+          <p:cNvPr id="30" name="Picture 29"/>
           <p:cNvPicPr>
             <a:picLocks noChangeAspect="1"/>
           </p:cNvPicPr>
@@ -7637,14 +7227,84 @@
         </p:blipFill>
         <p:spPr>
           <a:xfrm>
-            <a:off x="31316" y="1696923"/>
-            <a:ext cx="780865" cy="763390"/>
+            <a:off x="31316" y="1369392"/>
+            <a:ext cx="780865" cy="663242"/>
           </a:xfrm>
           <a:prstGeom prst="rect">
             <a:avLst/>
           </a:prstGeom>
         </p:spPr>
       </p:pic>
+      <p:cxnSp>
+        <p:nvCxnSpPr>
+          <p:cNvPr id="31" name="Straight Connector 30"/>
+          <p:cNvCxnSpPr/>
+          <p:nvPr/>
+        </p:nvCxnSpPr>
+        <p:spPr>
+          <a:xfrm flipV="1">
+            <a:off x="812181" y="1698244"/>
+            <a:ext cx="2473944" cy="1663"/>
+          </a:xfrm>
+          <a:prstGeom prst="line">
+            <a:avLst/>
+          </a:prstGeom>
+          <a:ln>
+            <a:solidFill>
+              <a:schemeClr val="bg2"/>
+            </a:solidFill>
+          </a:ln>
+        </p:spPr>
+        <p:style>
+          <a:lnRef idx="1">
+            <a:schemeClr val="accent1"/>
+          </a:lnRef>
+          <a:fillRef idx="0">
+            <a:schemeClr val="accent1"/>
+          </a:fillRef>
+          <a:effectRef idx="0">
+            <a:schemeClr val="accent1"/>
+          </a:effectRef>
+          <a:fontRef idx="minor">
+            <a:schemeClr val="tx1"/>
+          </a:fontRef>
+        </p:style>
+      </p:cxnSp>
+      <p:cxnSp>
+        <p:nvCxnSpPr>
+          <p:cNvPr id="32" name="Straight Connector 31"/>
+          <p:cNvCxnSpPr/>
+          <p:nvPr/>
+        </p:nvCxnSpPr>
+        <p:spPr>
+          <a:xfrm>
+            <a:off x="3294020" y="1698244"/>
+            <a:ext cx="3682053" cy="0"/>
+          </a:xfrm>
+          <a:prstGeom prst="line">
+            <a:avLst/>
+          </a:prstGeom>
+          <a:ln>
+            <a:solidFill>
+              <a:schemeClr val="bg2"/>
+            </a:solidFill>
+          </a:ln>
+        </p:spPr>
+        <p:style>
+          <a:lnRef idx="1">
+            <a:schemeClr val="accent1"/>
+          </a:lnRef>
+          <a:fillRef idx="0">
+            <a:schemeClr val="accent1"/>
+          </a:fillRef>
+          <a:effectRef idx="0">
+            <a:schemeClr val="accent1"/>
+          </a:effectRef>
+          <a:fontRef idx="minor">
+            <a:schemeClr val="tx1"/>
+          </a:fontRef>
+        </p:style>
+      </p:cxnSp>
       <p:pic>
         <p:nvPicPr>
           <p:cNvPr id="8" name="Picture 7"/>
@@ -7674,15 +7334,177 @@
           </a:prstGeom>
         </p:spPr>
       </p:pic>
+      <p:sp>
+        <p:nvSpPr>
+          <p:cNvPr id="46" name="TextBox 45"/>
+          <p:cNvSpPr txBox="1"/>
+          <p:nvPr/>
+        </p:nvSpPr>
+        <p:spPr>
+          <a:xfrm>
+            <a:off x="4138810" y="418656"/>
+            <a:ext cx="1165826" cy="307777"/>
+          </a:xfrm>
+          <a:prstGeom prst="rect">
+            <a:avLst/>
+          </a:prstGeom>
+          <a:noFill/>
+        </p:spPr>
+        <p:txBody>
+          <a:bodyPr wrap="square" rtlCol="0">
+            <a:spAutoFit/>
+          </a:bodyPr>
+          <a:lstStyle/>
+          <a:p>
+            <a:r>
+              <a:rPr lang="en-GB" sz="1400" dirty="0">
+                <a:solidFill>
+                  <a:srgbClr val="00A7DD"/>
+                </a:solidFill>
+                <a:effectLst>
+                  <a:glow rad="228600">
+                    <a:schemeClr val="accent3">
+                      <a:satMod val="175000"/>
+                      <a:alpha val="40000"/>
+                    </a:schemeClr>
+                  </a:glow>
+                </a:effectLst>
+                <a:latin typeface="Arial Rounded MT Bold" panose="020F0704030504030204" pitchFamily="34" charset="0"/>
+              </a:rPr>
+              <a:t>Investigate</a:t>
+            </a:r>
+            <a:endParaRPr lang="es-CO" sz="1400" dirty="0">
+              <a:solidFill>
+                <a:srgbClr val="00A7DD"/>
+              </a:solidFill>
+              <a:effectLst>
+                <a:glow rad="228600">
+                  <a:schemeClr val="accent3">
+                    <a:satMod val="175000"/>
+                    <a:alpha val="40000"/>
+                  </a:schemeClr>
+                </a:glow>
+              </a:effectLst>
+              <a:latin typeface="Arial Rounded MT Bold" panose="020F0704030504030204" pitchFamily="34" charset="0"/>
+            </a:endParaRPr>
+          </a:p>
+        </p:txBody>
+      </p:sp>
+      <p:pic>
+        <p:nvPicPr>
+          <p:cNvPr id="35" name="Picture 34"/>
+          <p:cNvPicPr>
+            <a:picLocks noChangeAspect="1"/>
+          </p:cNvPicPr>
+          <p:nvPr/>
+        </p:nvPicPr>
+        <p:blipFill>
+          <a:blip r:embed="rId6" cstate="print">
+            <a:extLst>
+              <a:ext uri="{28A0092B-C50C-407E-A947-70E740481C1C}">
+                <a14:useLocalDpi xmlns:a14="http://schemas.microsoft.com/office/drawing/2010/main" val="0"/>
+              </a:ext>
+            </a:extLst>
+          </a:blip>
+          <a:stretch>
+            <a:fillRect/>
+          </a:stretch>
+        </p:blipFill>
+        <p:spPr>
+          <a:xfrm>
+            <a:off x="945727" y="338881"/>
+            <a:ext cx="519745" cy="418946"/>
+          </a:xfrm>
+          <a:prstGeom prst="rect">
+            <a:avLst/>
+          </a:prstGeom>
+        </p:spPr>
+      </p:pic>
+      <p:pic>
+        <p:nvPicPr>
+          <p:cNvPr id="38" name="Picture 37"/>
+          <p:cNvPicPr>
+            <a:picLocks noChangeAspect="1"/>
+          </p:cNvPicPr>
+          <p:nvPr/>
+        </p:nvPicPr>
+        <p:blipFill>
+          <a:blip r:embed="rId7">
+            <a:extLst>
+              <a:ext uri="{28A0092B-C50C-407E-A947-70E740481C1C}">
+                <a14:useLocalDpi xmlns:a14="http://schemas.microsoft.com/office/drawing/2010/main" val="0"/>
+              </a:ext>
+            </a:extLst>
+          </a:blip>
+          <a:stretch>
+            <a:fillRect/>
+          </a:stretch>
+        </p:blipFill>
+        <p:spPr>
+          <a:xfrm>
+            <a:off x="1200" y="6136521"/>
+            <a:ext cx="12192000" cy="723900"/>
+          </a:xfrm>
+          <a:prstGeom prst="rect">
+            <a:avLst/>
+          </a:prstGeom>
+        </p:spPr>
+      </p:pic>
+      <p:pic>
+        <p:nvPicPr>
+          <p:cNvPr id="2" name="Picture 1"/>
+          <p:cNvPicPr>
+            <a:picLocks noChangeAspect="1"/>
+          </p:cNvPicPr>
+          <p:nvPr/>
+        </p:nvPicPr>
+        <p:blipFill rotWithShape="1">
+          <a:blip r:embed="rId8">
+            <a:duotone>
+              <a:schemeClr val="accent6">
+                <a:shade val="45000"/>
+                <a:satMod val="135000"/>
+              </a:schemeClr>
+              <a:prstClr val="white"/>
+            </a:duotone>
+            <a:extLst>
+              <a:ext uri="{28A0092B-C50C-407E-A947-70E740481C1C}">
+                <a14:useLocalDpi xmlns:a14="http://schemas.microsoft.com/office/drawing/2010/main" val="0"/>
+              </a:ext>
+            </a:extLst>
+          </a:blip>
+          <a:srcRect t="9381" r="85350"/>
+          <a:stretch/>
+        </p:blipFill>
+        <p:spPr>
+          <a:xfrm>
+            <a:off x="0" y="1138260"/>
+            <a:ext cx="553643" cy="490208"/>
+          </a:xfrm>
+          <a:prstGeom prst="rect">
+            <a:avLst/>
+          </a:prstGeom>
+          <a:ln>
+            <a:noFill/>
+          </a:ln>
+          <a:effectLst>
+            <a:outerShdw blurRad="292100" dist="139700" dir="2700000" algn="tl" rotWithShape="0">
+              <a:srgbClr val="333333">
+                <a:alpha val="65000"/>
+              </a:srgbClr>
+            </a:outerShdw>
+          </a:effectLst>
+        </p:spPr>
+      </p:pic>
       <p:cxnSp>
         <p:nvCxnSpPr>
-          <p:cNvPr id="14" name="Straight Connector 13"/>
+          <p:cNvPr id="20" name="Straight Connector 19"/>
           <p:cNvCxnSpPr/>
           <p:nvPr/>
         </p:nvCxnSpPr>
         <p:spPr>
           <a:xfrm flipV="1">
-            <a:off x="6968178" y="310174"/>
+            <a:off x="4026898" y="301896"/>
             <a:ext cx="7895" cy="535352"/>
           </a:xfrm>
           <a:prstGeom prst="line">
@@ -7709,121 +7531,16 @@
           </a:fontRef>
         </p:style>
       </p:cxnSp>
-      <p:cxnSp>
-        <p:nvCxnSpPr>
-          <p:cNvPr id="15" name="Straight Connector 14"/>
-          <p:cNvCxnSpPr/>
-          <p:nvPr/>
-        </p:nvCxnSpPr>
-        <p:spPr>
-          <a:xfrm flipV="1">
-            <a:off x="5579877" y="310174"/>
-            <a:ext cx="7895" cy="535352"/>
-          </a:xfrm>
-          <a:prstGeom prst="line">
-            <a:avLst/>
-          </a:prstGeom>
-          <a:ln>
-            <a:solidFill>
-              <a:schemeClr val="bg2"/>
-            </a:solidFill>
-          </a:ln>
-        </p:spPr>
-        <p:style>
-          <a:lnRef idx="1">
-            <a:schemeClr val="accent1"/>
-          </a:lnRef>
-          <a:fillRef idx="0">
-            <a:schemeClr val="accent1"/>
-          </a:fillRef>
-          <a:effectRef idx="0">
-            <a:schemeClr val="accent1"/>
-          </a:effectRef>
-          <a:fontRef idx="minor">
-            <a:schemeClr val="tx1"/>
-          </a:fontRef>
-        </p:style>
-      </p:cxnSp>
-      <p:cxnSp>
-        <p:nvCxnSpPr>
-          <p:cNvPr id="18" name="Straight Connector 17"/>
-          <p:cNvCxnSpPr/>
-          <p:nvPr/>
-        </p:nvCxnSpPr>
-        <p:spPr>
-          <a:xfrm flipV="1">
-            <a:off x="2907778" y="301896"/>
-            <a:ext cx="7895" cy="535352"/>
-          </a:xfrm>
-          <a:prstGeom prst="line">
-            <a:avLst/>
-          </a:prstGeom>
-          <a:ln>
-            <a:solidFill>
-              <a:schemeClr val="bg2"/>
-            </a:solidFill>
-          </a:ln>
-        </p:spPr>
-        <p:style>
-          <a:lnRef idx="1">
-            <a:schemeClr val="accent1"/>
-          </a:lnRef>
-          <a:fillRef idx="0">
-            <a:schemeClr val="accent1"/>
-          </a:fillRef>
-          <a:effectRef idx="0">
-            <a:schemeClr val="accent1"/>
-          </a:effectRef>
-          <a:fontRef idx="minor">
-            <a:schemeClr val="tx1"/>
-          </a:fontRef>
-        </p:style>
-      </p:cxnSp>
-      <p:cxnSp>
-        <p:nvCxnSpPr>
-          <p:cNvPr id="23" name="Straight Connector 22"/>
-          <p:cNvCxnSpPr/>
-          <p:nvPr/>
-        </p:nvCxnSpPr>
-        <p:spPr>
-          <a:xfrm flipV="1">
-            <a:off x="4065709" y="308180"/>
-            <a:ext cx="7895" cy="535352"/>
-          </a:xfrm>
-          <a:prstGeom prst="line">
-            <a:avLst/>
-          </a:prstGeom>
-          <a:ln>
-            <a:solidFill>
-              <a:schemeClr val="bg2"/>
-            </a:solidFill>
-          </a:ln>
-        </p:spPr>
-        <p:style>
-          <a:lnRef idx="1">
-            <a:schemeClr val="accent1"/>
-          </a:lnRef>
-          <a:fillRef idx="0">
-            <a:schemeClr val="accent1"/>
-          </a:fillRef>
-          <a:effectRef idx="0">
-            <a:schemeClr val="accent1"/>
-          </a:effectRef>
-          <a:fontRef idx="minor">
-            <a:schemeClr val="tx1"/>
-          </a:fontRef>
-        </p:style>
-      </p:cxnSp>
-      <p:sp>
-        <p:nvSpPr>
-          <p:cNvPr id="39" name="TextBox 38"/>
+      <p:sp>
+        <p:nvSpPr>
+          <p:cNvPr id="21" name="TextBox 20"/>
           <p:cNvSpPr txBox="1"/>
           <p:nvPr/>
         </p:nvSpPr>
         <p:spPr>
           <a:xfrm>
-            <a:off x="1960790" y="418656"/>
-            <a:ext cx="760130" cy="307777"/>
+            <a:off x="2220103" y="418656"/>
+            <a:ext cx="1492094" cy="307777"/>
           </a:xfrm>
           <a:prstGeom prst="rect">
             <a:avLst/>
@@ -7849,10 +7566,10 @@
           </a:lstStyle>
           <a:p>
             <a:r>
-              <a:rPr lang="en-GB" b="0" dirty="0">
+              <a:rPr lang="en-GB" b="0" dirty="0" smtClean="0">
                 <a:effectLst/>
               </a:rPr>
-              <a:t>Home</a:t>
+              <a:t>Back to Home</a:t>
             </a:r>
             <a:endParaRPr lang="es-CO" b="0" dirty="0">
               <a:effectLst/>
@@ -7860,247 +7577,9 @@
           </a:p>
         </p:txBody>
       </p:sp>
-      <p:sp>
-        <p:nvSpPr>
-          <p:cNvPr id="48" name="TextBox 47"/>
-          <p:cNvSpPr txBox="1"/>
-          <p:nvPr/>
-        </p:nvSpPr>
-        <p:spPr>
-          <a:xfrm>
-            <a:off x="7080992" y="418656"/>
-            <a:ext cx="1304925" cy="307777"/>
-          </a:xfrm>
-          <a:prstGeom prst="rect">
-            <a:avLst/>
-          </a:prstGeom>
-          <a:noFill/>
-        </p:spPr>
-        <p:txBody>
-          <a:bodyPr wrap="square" rtlCol="0">
-            <a:spAutoFit/>
-          </a:bodyPr>
-          <a:lstStyle/>
-          <a:p>
-            <a:r>
-              <a:rPr lang="en-GB" sz="1400" dirty="0">
-                <a:solidFill>
-                  <a:srgbClr val="007DBB"/>
-                </a:solidFill>
-                <a:latin typeface="Arial Rounded MT Bold" panose="020F0704030504030204" pitchFamily="34" charset="0"/>
-              </a:rPr>
-              <a:t>Optimise</a:t>
-            </a:r>
-            <a:endParaRPr lang="es-CO" sz="1400" dirty="0">
-              <a:solidFill>
-                <a:srgbClr val="007DBB"/>
-              </a:solidFill>
-              <a:latin typeface="Arial Rounded MT Bold" panose="020F0704030504030204" pitchFamily="34" charset="0"/>
-            </a:endParaRPr>
-          </a:p>
-        </p:txBody>
-      </p:sp>
-      <p:sp>
-        <p:nvSpPr>
-          <p:cNvPr id="44" name="TextBox 43"/>
-          <p:cNvSpPr txBox="1"/>
-          <p:nvPr/>
-        </p:nvSpPr>
-        <p:spPr>
-          <a:xfrm>
-            <a:off x="2977237" y="418656"/>
-            <a:ext cx="1165826" cy="307777"/>
-          </a:xfrm>
-          <a:prstGeom prst="rect">
-            <a:avLst/>
-          </a:prstGeom>
-          <a:noFill/>
-        </p:spPr>
-        <p:txBody>
-          <a:bodyPr wrap="square" rtlCol="0">
-            <a:spAutoFit/>
-          </a:bodyPr>
-          <a:lstStyle>
-            <a:defPPr>
-              <a:defRPr lang="es-ES"/>
-            </a:defPPr>
-            <a:lvl1pPr>
-              <a:defRPr sz="1400" b="1">
-                <a:solidFill>
-                  <a:srgbClr val="007DBB"/>
-                </a:solidFill>
-                <a:latin typeface="Arial Rounded MT Bold" panose="020F0704030504030204" pitchFamily="34" charset="0"/>
-              </a:defRPr>
-            </a:lvl1pPr>
-          </a:lstStyle>
-          <a:p>
-            <a:r>
-              <a:rPr lang="en-GB" b="0" dirty="0"/>
-              <a:t>Scope</a:t>
-            </a:r>
-            <a:endParaRPr lang="es-CO" b="0" dirty="0"/>
-          </a:p>
-        </p:txBody>
-      </p:sp>
-      <p:sp>
-        <p:nvSpPr>
-          <p:cNvPr id="46" name="TextBox 45"/>
-          <p:cNvSpPr txBox="1"/>
-          <p:nvPr/>
-        </p:nvSpPr>
-        <p:spPr>
-          <a:xfrm>
-            <a:off x="4138810" y="418656"/>
-            <a:ext cx="1165826" cy="307777"/>
-          </a:xfrm>
-          <a:prstGeom prst="rect">
-            <a:avLst/>
-          </a:prstGeom>
-          <a:noFill/>
-        </p:spPr>
-        <p:txBody>
-          <a:bodyPr wrap="square" rtlCol="0">
-            <a:spAutoFit/>
-          </a:bodyPr>
-          <a:lstStyle/>
-          <a:p>
-            <a:r>
-              <a:rPr lang="en-GB" sz="1400" dirty="0">
-                <a:solidFill>
-                  <a:srgbClr val="00A7DD"/>
-                </a:solidFill>
-                <a:effectLst>
-                  <a:glow rad="228600">
-                    <a:schemeClr val="accent3">
-                      <a:satMod val="175000"/>
-                      <a:alpha val="40000"/>
-                    </a:schemeClr>
-                  </a:glow>
-                </a:effectLst>
-                <a:latin typeface="Arial Rounded MT Bold" panose="020F0704030504030204" pitchFamily="34" charset="0"/>
-              </a:rPr>
-              <a:t>Investigate</a:t>
-            </a:r>
-            <a:endParaRPr lang="es-CO" sz="1400" dirty="0">
-              <a:solidFill>
-                <a:srgbClr val="00A7DD"/>
-              </a:solidFill>
-              <a:effectLst>
-                <a:glow rad="228600">
-                  <a:schemeClr val="accent3">
-                    <a:satMod val="175000"/>
-                    <a:alpha val="40000"/>
-                  </a:schemeClr>
-                </a:glow>
-              </a:effectLst>
-              <a:latin typeface="Arial Rounded MT Bold" panose="020F0704030504030204" pitchFamily="34" charset="0"/>
-            </a:endParaRPr>
-          </a:p>
-        </p:txBody>
-      </p:sp>
-      <p:sp>
-        <p:nvSpPr>
-          <p:cNvPr id="53" name="TextBox 52"/>
-          <p:cNvSpPr txBox="1"/>
-          <p:nvPr/>
-        </p:nvSpPr>
-        <p:spPr>
-          <a:xfrm>
-            <a:off x="5671148" y="418656"/>
-            <a:ext cx="1304925" cy="307777"/>
-          </a:xfrm>
-          <a:prstGeom prst="rect">
-            <a:avLst/>
-          </a:prstGeom>
-          <a:noFill/>
-        </p:spPr>
-        <p:txBody>
-          <a:bodyPr wrap="square" rtlCol="0">
-            <a:spAutoFit/>
-          </a:bodyPr>
-          <a:lstStyle/>
-          <a:p>
-            <a:r>
-              <a:rPr lang="en-GB" sz="1400" dirty="0">
-                <a:solidFill>
-                  <a:srgbClr val="04AEDA"/>
-                </a:solidFill>
-                <a:latin typeface="Arial Rounded MT Bold" panose="020F0704030504030204" pitchFamily="34" charset="0"/>
-              </a:rPr>
-              <a:t>Explore</a:t>
-            </a:r>
-            <a:endParaRPr lang="es-CO" sz="1400" dirty="0">
-              <a:solidFill>
-                <a:srgbClr val="04AEDA"/>
-              </a:solidFill>
-              <a:latin typeface="Arial Rounded MT Bold" panose="020F0704030504030204" pitchFamily="34" charset="0"/>
-            </a:endParaRPr>
-          </a:p>
-        </p:txBody>
-      </p:sp>
-      <p:pic>
-        <p:nvPicPr>
-          <p:cNvPr id="35" name="Picture 34"/>
-          <p:cNvPicPr>
-            <a:picLocks noChangeAspect="1"/>
-          </p:cNvPicPr>
-          <p:nvPr/>
-        </p:nvPicPr>
-        <p:blipFill>
-          <a:blip r:embed="rId6" cstate="print">
-            <a:extLst>
-              <a:ext uri="{28A0092B-C50C-407E-A947-70E740481C1C}">
-                <a14:useLocalDpi xmlns:a14="http://schemas.microsoft.com/office/drawing/2010/main" val="0"/>
-              </a:ext>
-            </a:extLst>
-          </a:blip>
-          <a:stretch>
-            <a:fillRect/>
-          </a:stretch>
-        </p:blipFill>
-        <p:spPr>
-          <a:xfrm>
-            <a:off x="945727" y="338881"/>
-            <a:ext cx="519745" cy="418946"/>
-          </a:xfrm>
-          <a:prstGeom prst="rect">
-            <a:avLst/>
-          </a:prstGeom>
-        </p:spPr>
-      </p:pic>
-      <p:pic>
-        <p:nvPicPr>
-          <p:cNvPr id="38" name="Picture 37"/>
-          <p:cNvPicPr>
-            <a:picLocks noChangeAspect="1"/>
-          </p:cNvPicPr>
-          <p:nvPr/>
-        </p:nvPicPr>
-        <p:blipFill>
-          <a:blip r:embed="rId7">
-            <a:extLst>
-              <a:ext uri="{28A0092B-C50C-407E-A947-70E740481C1C}">
-                <a14:useLocalDpi xmlns:a14="http://schemas.microsoft.com/office/drawing/2010/main" val="0"/>
-              </a:ext>
-            </a:extLst>
-          </a:blip>
-          <a:stretch>
-            <a:fillRect/>
-          </a:stretch>
-        </p:blipFill>
-        <p:spPr>
-          <a:xfrm>
-            <a:off x="1200" y="6136521"/>
-            <a:ext cx="12192000" cy="723900"/>
-          </a:xfrm>
-          <a:prstGeom prst="rect">
-            <a:avLst/>
-          </a:prstGeom>
-        </p:spPr>
-      </p:pic>
       <p:cxnSp>
         <p:nvCxnSpPr>
-          <p:cNvPr id="63" name="Straight Connector 62"/>
+          <p:cNvPr id="24" name="Straight Connector 23"/>
           <p:cNvCxnSpPr/>
           <p:nvPr/>
         </p:nvCxnSpPr>
@@ -8108,377 +7587,6 @@
           <a:xfrm flipV="1">
             <a:off x="1887383" y="301896"/>
             <a:ext cx="7895" cy="535352"/>
-          </a:xfrm>
-          <a:prstGeom prst="line">
-            <a:avLst/>
-          </a:prstGeom>
-          <a:ln>
-            <a:solidFill>
-              <a:schemeClr val="bg2"/>
-            </a:solidFill>
-          </a:ln>
-        </p:spPr>
-        <p:style>
-          <a:lnRef idx="1">
-            <a:schemeClr val="accent1"/>
-          </a:lnRef>
-          <a:fillRef idx="0">
-            <a:schemeClr val="accent1"/>
-          </a:fillRef>
-          <a:effectRef idx="0">
-            <a:schemeClr val="accent1"/>
-          </a:effectRef>
-          <a:fontRef idx="minor">
-            <a:schemeClr val="tx1"/>
-          </a:fontRef>
-        </p:style>
-      </p:cxnSp>
-      <p:pic>
-        <p:nvPicPr>
-          <p:cNvPr id="97" name="Picture 96"/>
-          <p:cNvPicPr>
-            <a:picLocks noChangeAspect="1"/>
-          </p:cNvPicPr>
-          <p:nvPr/>
-        </p:nvPicPr>
-        <p:blipFill>
-          <a:blip r:embed="rId8" cstate="print">
-            <a:extLst>
-              <a:ext uri="{28A0092B-C50C-407E-A947-70E740481C1C}">
-                <a14:useLocalDpi xmlns:a14="http://schemas.microsoft.com/office/drawing/2010/main" val="0"/>
-              </a:ext>
-            </a:extLst>
-          </a:blip>
-          <a:stretch>
-            <a:fillRect/>
-          </a:stretch>
-        </p:blipFill>
-        <p:spPr>
-          <a:xfrm>
-            <a:off x="784639" y="1260000"/>
-            <a:ext cx="265339" cy="228600"/>
-          </a:xfrm>
-          <a:prstGeom prst="rect">
-            <a:avLst/>
-          </a:prstGeom>
-        </p:spPr>
-      </p:pic>
-      <p:pic>
-        <p:nvPicPr>
-          <p:cNvPr id="98" name="Picture 97"/>
-          <p:cNvPicPr>
-            <a:picLocks noChangeAspect="1"/>
-          </p:cNvPicPr>
-          <p:nvPr/>
-        </p:nvPicPr>
-        <p:blipFill>
-          <a:blip r:embed="rId9" cstate="print">
-            <a:extLst>
-              <a:ext uri="{28A0092B-C50C-407E-A947-70E740481C1C}">
-                <a14:useLocalDpi xmlns:a14="http://schemas.microsoft.com/office/drawing/2010/main" val="0"/>
-              </a:ext>
-            </a:extLst>
-          </a:blip>
-          <a:stretch>
-            <a:fillRect/>
-          </a:stretch>
-        </p:blipFill>
-        <p:spPr>
-          <a:xfrm>
-            <a:off x="3389866" y="1260000"/>
-            <a:ext cx="228600" cy="228600"/>
-          </a:xfrm>
-          <a:prstGeom prst="rect">
-            <a:avLst/>
-          </a:prstGeom>
-        </p:spPr>
-      </p:pic>
-      <p:pic>
-        <p:nvPicPr>
-          <p:cNvPr id="100" name="Picture 99"/>
-          <p:cNvPicPr>
-            <a:picLocks noChangeAspect="1"/>
-          </p:cNvPicPr>
-          <p:nvPr/>
-        </p:nvPicPr>
-        <p:blipFill>
-          <a:blip r:embed="rId10" cstate="print">
-            <a:extLst>
-              <a:ext uri="{28A0092B-C50C-407E-A947-70E740481C1C}">
-                <a14:useLocalDpi xmlns:a14="http://schemas.microsoft.com/office/drawing/2010/main" val="0"/>
-              </a:ext>
-            </a:extLst>
-          </a:blip>
-          <a:stretch>
-            <a:fillRect/>
-          </a:stretch>
-        </p:blipFill>
-        <p:spPr>
-          <a:xfrm>
-            <a:off x="6014738" y="1260000"/>
-            <a:ext cx="228600" cy="228600"/>
-          </a:xfrm>
-          <a:prstGeom prst="rect">
-            <a:avLst/>
-          </a:prstGeom>
-        </p:spPr>
-      </p:pic>
-      <p:pic>
-        <p:nvPicPr>
-          <p:cNvPr id="2" name="Picture 1"/>
-          <p:cNvPicPr>
-            <a:picLocks noChangeAspect="1"/>
-          </p:cNvPicPr>
-          <p:nvPr/>
-        </p:nvPicPr>
-        <p:blipFill rotWithShape="1">
-          <a:blip r:embed="rId11">
-            <a:duotone>
-              <a:schemeClr val="accent6">
-                <a:shade val="45000"/>
-                <a:satMod val="135000"/>
-              </a:schemeClr>
-              <a:prstClr val="white"/>
-            </a:duotone>
-            <a:extLst>
-              <a:ext uri="{28A0092B-C50C-407E-A947-70E740481C1C}">
-                <a14:useLocalDpi xmlns:a14="http://schemas.microsoft.com/office/drawing/2010/main" val="0"/>
-              </a:ext>
-            </a:extLst>
-          </a:blip>
-          <a:srcRect t="9381" r="85350"/>
-          <a:stretch/>
-        </p:blipFill>
-        <p:spPr>
-          <a:xfrm>
-            <a:off x="0" y="1206500"/>
-            <a:ext cx="553643" cy="490208"/>
-          </a:xfrm>
-          <a:prstGeom prst="rect">
-            <a:avLst/>
-          </a:prstGeom>
-          <a:ln>
-            <a:noFill/>
-          </a:ln>
-          <a:effectLst>
-            <a:outerShdw blurRad="292100" dist="139700" dir="2700000" algn="tl" rotWithShape="0">
-              <a:srgbClr val="333333">
-                <a:alpha val="65000"/>
-              </a:srgbClr>
-            </a:outerShdw>
-          </a:effectLst>
-        </p:spPr>
-      </p:pic>
-      <p:sp>
-        <p:nvSpPr>
-          <p:cNvPr id="42" name="TextBox 41"/>
-          <p:cNvSpPr txBox="1"/>
-          <p:nvPr/>
-        </p:nvSpPr>
-        <p:spPr>
-          <a:xfrm>
-            <a:off x="3576272" y="1260000"/>
-            <a:ext cx="2066517" cy="261610"/>
-          </a:xfrm>
-          <a:prstGeom prst="rect">
-            <a:avLst/>
-          </a:prstGeom>
-          <a:noFill/>
-        </p:spPr>
-        <p:txBody>
-          <a:bodyPr wrap="square" rtlCol="0">
-            <a:spAutoFit/>
-          </a:bodyPr>
-          <a:lstStyle/>
-          <a:p>
-            <a:r>
-              <a:rPr lang="en-GB" sz="1100" dirty="0" smtClean="0">
-                <a:solidFill>
-                  <a:srgbClr val="024B76"/>
-                </a:solidFill>
-                <a:latin typeface="Arial Rounded MT Bold" panose="020F0704030504030204" pitchFamily="34" charset="0"/>
-              </a:rPr>
-              <a:t>Results by Cell</a:t>
-            </a:r>
-            <a:endParaRPr lang="es-CO" sz="1100" dirty="0">
-              <a:solidFill>
-                <a:srgbClr val="024B76"/>
-              </a:solidFill>
-              <a:latin typeface="Arial Rounded MT Bold" panose="020F0704030504030204" pitchFamily="34" charset="0"/>
-            </a:endParaRPr>
-          </a:p>
-        </p:txBody>
-      </p:sp>
-      <p:sp>
-        <p:nvSpPr>
-          <p:cNvPr id="43" name="TextBox 42"/>
-          <p:cNvSpPr txBox="1"/>
-          <p:nvPr/>
-        </p:nvSpPr>
-        <p:spPr>
-          <a:xfrm>
-            <a:off x="998587" y="1260000"/>
-            <a:ext cx="1777591" cy="261610"/>
-          </a:xfrm>
-          <a:prstGeom prst="rect">
-            <a:avLst/>
-          </a:prstGeom>
-          <a:noFill/>
-        </p:spPr>
-        <p:txBody>
-          <a:bodyPr wrap="square" rtlCol="0">
-            <a:spAutoFit/>
-          </a:bodyPr>
-          <a:lstStyle>
-            <a:defPPr>
-              <a:defRPr lang="es-ES"/>
-            </a:defPPr>
-            <a:lvl1pPr>
-              <a:defRPr sz="1400" b="1">
-                <a:solidFill>
-                  <a:srgbClr val="007DBB"/>
-                </a:solidFill>
-                <a:latin typeface="Arial Rounded MT Bold" panose="020F0704030504030204" pitchFamily="34" charset="0"/>
-              </a:defRPr>
-            </a:lvl1pPr>
-          </a:lstStyle>
-          <a:p>
-            <a:r>
-              <a:rPr lang="en-GB" sz="1100" b="0" dirty="0" smtClean="0">
-                <a:solidFill>
-                  <a:srgbClr val="024B76"/>
-                </a:solidFill>
-              </a:rPr>
-              <a:t>Topline Results</a:t>
-            </a:r>
-            <a:endParaRPr lang="es-CO" sz="1100" b="0" dirty="0">
-              <a:solidFill>
-                <a:srgbClr val="024B76"/>
-              </a:solidFill>
-            </a:endParaRPr>
-          </a:p>
-        </p:txBody>
-      </p:sp>
-      <p:cxnSp>
-        <p:nvCxnSpPr>
-          <p:cNvPr id="49" name="Straight Connector 48"/>
-          <p:cNvCxnSpPr/>
-          <p:nvPr/>
-        </p:nvCxnSpPr>
-        <p:spPr>
-          <a:xfrm flipV="1">
-            <a:off x="812181" y="1548000"/>
-            <a:ext cx="2473944" cy="1663"/>
-          </a:xfrm>
-          <a:prstGeom prst="line">
-            <a:avLst/>
-          </a:prstGeom>
-          <a:ln>
-            <a:solidFill>
-              <a:schemeClr val="bg2"/>
-            </a:solidFill>
-          </a:ln>
-        </p:spPr>
-        <p:style>
-          <a:lnRef idx="1">
-            <a:schemeClr val="accent1"/>
-          </a:lnRef>
-          <a:fillRef idx="0">
-            <a:schemeClr val="accent1"/>
-          </a:fillRef>
-          <a:effectRef idx="0">
-            <a:schemeClr val="accent1"/>
-          </a:effectRef>
-          <a:fontRef idx="minor">
-            <a:schemeClr val="tx1"/>
-          </a:fontRef>
-        </p:style>
-      </p:cxnSp>
-      <p:cxnSp>
-        <p:nvCxnSpPr>
-          <p:cNvPr id="50" name="Straight Connector 49"/>
-          <p:cNvCxnSpPr/>
-          <p:nvPr/>
-        </p:nvCxnSpPr>
-        <p:spPr>
-          <a:xfrm flipV="1">
-            <a:off x="3389866" y="1548000"/>
-            <a:ext cx="2473944" cy="1663"/>
-          </a:xfrm>
-          <a:prstGeom prst="line">
-            <a:avLst/>
-          </a:prstGeom>
-          <a:ln>
-            <a:solidFill>
-              <a:schemeClr val="bg2"/>
-            </a:solidFill>
-          </a:ln>
-        </p:spPr>
-        <p:style>
-          <a:lnRef idx="1">
-            <a:schemeClr val="accent1"/>
-          </a:lnRef>
-          <a:fillRef idx="0">
-            <a:schemeClr val="accent1"/>
-          </a:fillRef>
-          <a:effectRef idx="0">
-            <a:schemeClr val="accent1"/>
-          </a:effectRef>
-          <a:fontRef idx="minor">
-            <a:schemeClr val="tx1"/>
-          </a:fontRef>
-        </p:style>
-      </p:cxnSp>
-      <p:sp>
-        <p:nvSpPr>
-          <p:cNvPr id="52" name="TextBox 51"/>
-          <p:cNvSpPr txBox="1"/>
-          <p:nvPr/>
-        </p:nvSpPr>
-        <p:spPr>
-          <a:xfrm>
-            <a:off x="6201144" y="1260000"/>
-            <a:ext cx="2066517" cy="261610"/>
-          </a:xfrm>
-          <a:prstGeom prst="rect">
-            <a:avLst/>
-          </a:prstGeom>
-          <a:noFill/>
-        </p:spPr>
-        <p:txBody>
-          <a:bodyPr wrap="square" rtlCol="0">
-            <a:spAutoFit/>
-          </a:bodyPr>
-          <a:lstStyle/>
-          <a:p>
-            <a:r>
-              <a:rPr lang="en-GB" sz="1100" dirty="0" smtClean="0">
-                <a:solidFill>
-                  <a:srgbClr val="024B76"/>
-                </a:solidFill>
-                <a:latin typeface="Arial Rounded MT Bold" panose="020F0704030504030204" pitchFamily="34" charset="0"/>
-              </a:rPr>
-              <a:t>Drivers of Performance</a:t>
-            </a:r>
-            <a:endParaRPr lang="es-CO" sz="1100" dirty="0">
-              <a:solidFill>
-                <a:srgbClr val="024B76"/>
-              </a:solidFill>
-              <a:latin typeface="Arial Rounded MT Bold" panose="020F0704030504030204" pitchFamily="34" charset="0"/>
-            </a:endParaRPr>
-          </a:p>
-        </p:txBody>
-      </p:sp>
-      <p:cxnSp>
-        <p:nvCxnSpPr>
-          <p:cNvPr id="54" name="Straight Connector 53"/>
-          <p:cNvCxnSpPr/>
-          <p:nvPr/>
-        </p:nvCxnSpPr>
-        <p:spPr>
-          <a:xfrm flipV="1">
-            <a:off x="6014738" y="1548000"/>
-            <a:ext cx="2473944" cy="1663"/>
           </a:xfrm>
           <a:prstGeom prst="line">
             <a:avLst/>
@@ -8543,14 +7651,99 @@
       </p:grpSpPr>
       <p:pic>
         <p:nvPicPr>
-          <p:cNvPr id="27" name="Picture 26"/>
+          <p:cNvPr id="8" name="Picture 7"/>
           <p:cNvPicPr>
             <a:picLocks noChangeAspect="1"/>
           </p:cNvPicPr>
           <p:nvPr/>
         </p:nvPicPr>
         <p:blipFill rotWithShape="1">
-          <a:blip r:embed="rId3" cstate="print">
+          <a:blip r:embed="rId3">
+            <a:extLst>
+              <a:ext uri="{28A0092B-C50C-407E-A947-70E740481C1C}">
+                <a14:useLocalDpi xmlns:a14="http://schemas.microsoft.com/office/drawing/2010/main" val="0"/>
+              </a:ext>
+            </a:extLst>
+          </a:blip>
+          <a:srcRect l="9363" t="33873" r="6008" b="33731"/>
+          <a:stretch/>
+        </p:blipFill>
+        <p:spPr>
+          <a:xfrm>
+            <a:off x="-38101" y="-50800"/>
+            <a:ext cx="12300801" cy="1257300"/>
+          </a:xfrm>
+          <a:prstGeom prst="rect">
+            <a:avLst/>
+          </a:prstGeom>
+        </p:spPr>
+      </p:pic>
+      <p:sp>
+        <p:nvSpPr>
+          <p:cNvPr id="53" name="TextBox 52"/>
+          <p:cNvSpPr txBox="1"/>
+          <p:nvPr/>
+        </p:nvSpPr>
+        <p:spPr>
+          <a:xfrm>
+            <a:off x="4101658" y="418656"/>
+            <a:ext cx="1304925" cy="307777"/>
+          </a:xfrm>
+          <a:prstGeom prst="rect">
+            <a:avLst/>
+          </a:prstGeom>
+          <a:noFill/>
+        </p:spPr>
+        <p:txBody>
+          <a:bodyPr wrap="square" rtlCol="0">
+            <a:spAutoFit/>
+          </a:bodyPr>
+          <a:lstStyle/>
+          <a:p>
+            <a:r>
+              <a:rPr lang="en-GB" sz="1400" dirty="0">
+                <a:solidFill>
+                  <a:srgbClr val="04AEDA"/>
+                </a:solidFill>
+                <a:effectLst>
+                  <a:glow rad="228600">
+                    <a:schemeClr val="accent3">
+                      <a:satMod val="175000"/>
+                      <a:alpha val="40000"/>
+                    </a:schemeClr>
+                  </a:glow>
+                </a:effectLst>
+                <a:latin typeface="Arial Rounded MT Bold" panose="020F0704030504030204" pitchFamily="34" charset="0"/>
+              </a:rPr>
+              <a:t>Explore</a:t>
+            </a:r>
+            <a:endParaRPr lang="es-CO" sz="1400" dirty="0">
+              <a:solidFill>
+                <a:srgbClr val="04AEDA"/>
+              </a:solidFill>
+              <a:effectLst>
+                <a:glow rad="228600">
+                  <a:schemeClr val="accent3">
+                    <a:satMod val="175000"/>
+                    <a:alpha val="40000"/>
+                  </a:schemeClr>
+                </a:glow>
+              </a:effectLst>
+              <a:latin typeface="Arial Rounded MT Bold" panose="020F0704030504030204" pitchFamily="34" charset="0"/>
+            </a:endParaRPr>
+          </a:p>
+        </p:txBody>
+      </p:sp>
+      <p:pic>
+        <p:nvPicPr>
+          <p:cNvPr id="29" name="Picture 28"/>
+          <p:cNvPicPr>
+            <a:picLocks noChangeAspect="1"/>
+          </p:cNvPicPr>
+          <p:nvPr/>
+        </p:nvPicPr>
+        <p:blipFill rotWithShape="1">
+          <a:blip r:embed="rId4" cstate="print">
             <a:duotone>
               <a:schemeClr val="accent6">
                 <a:shade val="45000"/>
@@ -8569,8 +7762,8 @@
         </p:blipFill>
         <p:spPr>
           <a:xfrm>
-            <a:off x="0" y="1437632"/>
-            <a:ext cx="794941" cy="919806"/>
+            <a:off x="1" y="1369392"/>
+            <a:ext cx="682388" cy="582237"/>
           </a:xfrm>
           <a:prstGeom prst="rect">
             <a:avLst/>
@@ -8579,14 +7772,14 @@
       </p:pic>
       <p:pic>
         <p:nvPicPr>
-          <p:cNvPr id="28" name="Picture 27"/>
+          <p:cNvPr id="30" name="Picture 29"/>
           <p:cNvPicPr>
             <a:picLocks noChangeAspect="1"/>
           </p:cNvPicPr>
           <p:nvPr/>
         </p:nvPicPr>
         <p:blipFill rotWithShape="1">
-          <a:blip r:embed="rId4" cstate="print">
+          <a:blip r:embed="rId5" cstate="print">
             <a:duotone>
               <a:schemeClr val="accent6">
                 <a:shade val="45000"/>
@@ -8605,37 +7798,8 @@
         </p:blipFill>
         <p:spPr>
           <a:xfrm>
-            <a:off x="31316" y="1696923"/>
-            <a:ext cx="780865" cy="763390"/>
-          </a:xfrm>
-          <a:prstGeom prst="rect">
-            <a:avLst/>
-          </a:prstGeom>
-        </p:spPr>
-      </p:pic>
-      <p:pic>
-        <p:nvPicPr>
-          <p:cNvPr id="8" name="Picture 7"/>
-          <p:cNvPicPr>
-            <a:picLocks noChangeAspect="1"/>
-          </p:cNvPicPr>
-          <p:nvPr/>
-        </p:nvPicPr>
-        <p:blipFill rotWithShape="1">
-          <a:blip r:embed="rId5">
-            <a:extLst>
-              <a:ext uri="{28A0092B-C50C-407E-A947-70E740481C1C}">
-                <a14:useLocalDpi xmlns:a14="http://schemas.microsoft.com/office/drawing/2010/main" val="0"/>
-              </a:ext>
-            </a:extLst>
-          </a:blip>
-          <a:srcRect l="9363" t="33873" r="6008" b="33731"/>
-          <a:stretch/>
-        </p:blipFill>
-        <p:spPr>
-          <a:xfrm>
-            <a:off x="-38101" y="-50800"/>
-            <a:ext cx="12300801" cy="1257300"/>
+            <a:off x="31316" y="1369392"/>
+            <a:ext cx="780865" cy="663242"/>
           </a:xfrm>
           <a:prstGeom prst="rect">
             <a:avLst/>
@@ -8644,14 +7808,14 @@
       </p:pic>
       <p:cxnSp>
         <p:nvCxnSpPr>
-          <p:cNvPr id="14" name="Straight Connector 13"/>
+          <p:cNvPr id="31" name="Straight Connector 30"/>
           <p:cNvCxnSpPr/>
           <p:nvPr/>
         </p:nvCxnSpPr>
         <p:spPr>
           <a:xfrm flipV="1">
-            <a:off x="6968178" y="310174"/>
-            <a:ext cx="7895" cy="535352"/>
+            <a:off x="812181" y="1698244"/>
+            <a:ext cx="2473944" cy="1663"/>
           </a:xfrm>
           <a:prstGeom prst="line">
             <a:avLst/>
@@ -8679,14 +7843,14 @@
       </p:cxnSp>
       <p:cxnSp>
         <p:nvCxnSpPr>
-          <p:cNvPr id="15" name="Straight Connector 14"/>
+          <p:cNvPr id="32" name="Straight Connector 31"/>
           <p:cNvCxnSpPr/>
           <p:nvPr/>
         </p:nvCxnSpPr>
         <p:spPr>
-          <a:xfrm flipV="1">
-            <a:off x="5579877" y="310174"/>
-            <a:ext cx="7895" cy="535352"/>
+          <a:xfrm>
+            <a:off x="3294020" y="1698244"/>
+            <a:ext cx="3682053" cy="0"/>
           </a:xfrm>
           <a:prstGeom prst="line">
             <a:avLst/>
@@ -8712,300 +7876,6 @@
           </a:fontRef>
         </p:style>
       </p:cxnSp>
-      <p:cxnSp>
-        <p:nvCxnSpPr>
-          <p:cNvPr id="18" name="Straight Connector 17"/>
-          <p:cNvCxnSpPr/>
-          <p:nvPr/>
-        </p:nvCxnSpPr>
-        <p:spPr>
-          <a:xfrm flipV="1">
-            <a:off x="2907778" y="301896"/>
-            <a:ext cx="7895" cy="535352"/>
-          </a:xfrm>
-          <a:prstGeom prst="line">
-            <a:avLst/>
-          </a:prstGeom>
-          <a:ln>
-            <a:solidFill>
-              <a:schemeClr val="bg2"/>
-            </a:solidFill>
-          </a:ln>
-        </p:spPr>
-        <p:style>
-          <a:lnRef idx="1">
-            <a:schemeClr val="accent1"/>
-          </a:lnRef>
-          <a:fillRef idx="0">
-            <a:schemeClr val="accent1"/>
-          </a:fillRef>
-          <a:effectRef idx="0">
-            <a:schemeClr val="accent1"/>
-          </a:effectRef>
-          <a:fontRef idx="minor">
-            <a:schemeClr val="tx1"/>
-          </a:fontRef>
-        </p:style>
-      </p:cxnSp>
-      <p:cxnSp>
-        <p:nvCxnSpPr>
-          <p:cNvPr id="23" name="Straight Connector 22"/>
-          <p:cNvCxnSpPr/>
-          <p:nvPr/>
-        </p:nvCxnSpPr>
-        <p:spPr>
-          <a:xfrm flipV="1">
-            <a:off x="4065709" y="308180"/>
-            <a:ext cx="7895" cy="535352"/>
-          </a:xfrm>
-          <a:prstGeom prst="line">
-            <a:avLst/>
-          </a:prstGeom>
-          <a:ln>
-            <a:solidFill>
-              <a:schemeClr val="bg2"/>
-            </a:solidFill>
-          </a:ln>
-        </p:spPr>
-        <p:style>
-          <a:lnRef idx="1">
-            <a:schemeClr val="accent1"/>
-          </a:lnRef>
-          <a:fillRef idx="0">
-            <a:schemeClr val="accent1"/>
-          </a:fillRef>
-          <a:effectRef idx="0">
-            <a:schemeClr val="accent1"/>
-          </a:effectRef>
-          <a:fontRef idx="minor">
-            <a:schemeClr val="tx1"/>
-          </a:fontRef>
-        </p:style>
-      </p:cxnSp>
-      <p:sp>
-        <p:nvSpPr>
-          <p:cNvPr id="39" name="TextBox 38"/>
-          <p:cNvSpPr txBox="1"/>
-          <p:nvPr/>
-        </p:nvSpPr>
-        <p:spPr>
-          <a:xfrm>
-            <a:off x="1960790" y="418656"/>
-            <a:ext cx="760130" cy="307777"/>
-          </a:xfrm>
-          <a:prstGeom prst="rect">
-            <a:avLst/>
-          </a:prstGeom>
-          <a:noFill/>
-        </p:spPr>
-        <p:txBody>
-          <a:bodyPr wrap="square" rtlCol="0">
-            <a:spAutoFit/>
-          </a:bodyPr>
-          <a:lstStyle>
-            <a:defPPr>
-              <a:defRPr lang="es-ES"/>
-            </a:defPPr>
-            <a:lvl1pPr>
-              <a:defRPr sz="1400" b="1">
-                <a:solidFill>
-                  <a:srgbClr val="04AEDA"/>
-                </a:solidFill>
-                <a:latin typeface="Arial Rounded MT Bold" panose="020F0704030504030204" pitchFamily="34" charset="0"/>
-              </a:defRPr>
-            </a:lvl1pPr>
-          </a:lstStyle>
-          <a:p>
-            <a:r>
-              <a:rPr lang="en-GB" b="0" dirty="0">
-                <a:effectLst/>
-              </a:rPr>
-              <a:t>Home</a:t>
-            </a:r>
-            <a:endParaRPr lang="es-CO" b="0" dirty="0">
-              <a:effectLst/>
-            </a:endParaRPr>
-          </a:p>
-        </p:txBody>
-      </p:sp>
-      <p:sp>
-        <p:nvSpPr>
-          <p:cNvPr id="48" name="TextBox 47"/>
-          <p:cNvSpPr txBox="1"/>
-          <p:nvPr/>
-        </p:nvSpPr>
-        <p:spPr>
-          <a:xfrm>
-            <a:off x="7080992" y="418656"/>
-            <a:ext cx="1304925" cy="307777"/>
-          </a:xfrm>
-          <a:prstGeom prst="rect">
-            <a:avLst/>
-          </a:prstGeom>
-          <a:noFill/>
-        </p:spPr>
-        <p:txBody>
-          <a:bodyPr wrap="square" rtlCol="0">
-            <a:spAutoFit/>
-          </a:bodyPr>
-          <a:lstStyle/>
-          <a:p>
-            <a:r>
-              <a:rPr lang="en-GB" sz="1400" dirty="0">
-                <a:solidFill>
-                  <a:srgbClr val="007DBB"/>
-                </a:solidFill>
-                <a:latin typeface="Arial Rounded MT Bold" panose="020F0704030504030204" pitchFamily="34" charset="0"/>
-              </a:rPr>
-              <a:t>Optimise</a:t>
-            </a:r>
-            <a:endParaRPr lang="es-CO" sz="1400" dirty="0">
-              <a:solidFill>
-                <a:srgbClr val="007DBB"/>
-              </a:solidFill>
-              <a:latin typeface="Arial Rounded MT Bold" panose="020F0704030504030204" pitchFamily="34" charset="0"/>
-            </a:endParaRPr>
-          </a:p>
-        </p:txBody>
-      </p:sp>
-      <p:sp>
-        <p:nvSpPr>
-          <p:cNvPr id="44" name="TextBox 43"/>
-          <p:cNvSpPr txBox="1"/>
-          <p:nvPr/>
-        </p:nvSpPr>
-        <p:spPr>
-          <a:xfrm>
-            <a:off x="2977237" y="418656"/>
-            <a:ext cx="1165826" cy="307777"/>
-          </a:xfrm>
-          <a:prstGeom prst="rect">
-            <a:avLst/>
-          </a:prstGeom>
-          <a:noFill/>
-        </p:spPr>
-        <p:txBody>
-          <a:bodyPr wrap="square" rtlCol="0">
-            <a:spAutoFit/>
-          </a:bodyPr>
-          <a:lstStyle>
-            <a:defPPr>
-              <a:defRPr lang="es-ES"/>
-            </a:defPPr>
-            <a:lvl1pPr>
-              <a:defRPr sz="1400" b="1">
-                <a:solidFill>
-                  <a:srgbClr val="007DBB"/>
-                </a:solidFill>
-                <a:latin typeface="Arial Rounded MT Bold" panose="020F0704030504030204" pitchFamily="34" charset="0"/>
-              </a:defRPr>
-            </a:lvl1pPr>
-          </a:lstStyle>
-          <a:p>
-            <a:r>
-              <a:rPr lang="en-GB" b="0" dirty="0"/>
-              <a:t>Scope</a:t>
-            </a:r>
-            <a:endParaRPr lang="es-CO" b="0" dirty="0"/>
-          </a:p>
-        </p:txBody>
-      </p:sp>
-      <p:sp>
-        <p:nvSpPr>
-          <p:cNvPr id="46" name="TextBox 45"/>
-          <p:cNvSpPr txBox="1"/>
-          <p:nvPr/>
-        </p:nvSpPr>
-        <p:spPr>
-          <a:xfrm>
-            <a:off x="4138810" y="418656"/>
-            <a:ext cx="1165826" cy="307777"/>
-          </a:xfrm>
-          <a:prstGeom prst="rect">
-            <a:avLst/>
-          </a:prstGeom>
-          <a:noFill/>
-        </p:spPr>
-        <p:txBody>
-          <a:bodyPr wrap="square" rtlCol="0">
-            <a:spAutoFit/>
-          </a:bodyPr>
-          <a:lstStyle/>
-          <a:p>
-            <a:r>
-              <a:rPr lang="en-GB" sz="1400" dirty="0">
-                <a:solidFill>
-                  <a:srgbClr val="00A7DD"/>
-                </a:solidFill>
-                <a:latin typeface="Arial Rounded MT Bold" panose="020F0704030504030204" pitchFamily="34" charset="0"/>
-              </a:rPr>
-              <a:t>Investigate</a:t>
-            </a:r>
-            <a:endParaRPr lang="es-CO" sz="1400" dirty="0">
-              <a:solidFill>
-                <a:srgbClr val="00A7DD"/>
-              </a:solidFill>
-              <a:latin typeface="Arial Rounded MT Bold" panose="020F0704030504030204" pitchFamily="34" charset="0"/>
-            </a:endParaRPr>
-          </a:p>
-        </p:txBody>
-      </p:sp>
-      <p:sp>
-        <p:nvSpPr>
-          <p:cNvPr id="53" name="TextBox 52"/>
-          <p:cNvSpPr txBox="1"/>
-          <p:nvPr/>
-        </p:nvSpPr>
-        <p:spPr>
-          <a:xfrm>
-            <a:off x="5671148" y="418656"/>
-            <a:ext cx="1304925" cy="307777"/>
-          </a:xfrm>
-          <a:prstGeom prst="rect">
-            <a:avLst/>
-          </a:prstGeom>
-          <a:noFill/>
-        </p:spPr>
-        <p:txBody>
-          <a:bodyPr wrap="square" rtlCol="0">
-            <a:spAutoFit/>
-          </a:bodyPr>
-          <a:lstStyle/>
-          <a:p>
-            <a:r>
-              <a:rPr lang="en-GB" sz="1400" dirty="0">
-                <a:solidFill>
-                  <a:srgbClr val="04AEDA"/>
-                </a:solidFill>
-                <a:effectLst>
-                  <a:glow rad="228600">
-                    <a:schemeClr val="accent3">
-                      <a:satMod val="175000"/>
-                      <a:alpha val="40000"/>
-                    </a:schemeClr>
-                  </a:glow>
-                </a:effectLst>
-                <a:latin typeface="Arial Rounded MT Bold" panose="020F0704030504030204" pitchFamily="34" charset="0"/>
-              </a:rPr>
-              <a:t>Explore</a:t>
-            </a:r>
-            <a:endParaRPr lang="es-CO" sz="1400" dirty="0">
-              <a:solidFill>
-                <a:srgbClr val="04AEDA"/>
-              </a:solidFill>
-              <a:effectLst>
-                <a:glow rad="228600">
-                  <a:schemeClr val="accent3">
-                    <a:satMod val="175000"/>
-                    <a:alpha val="40000"/>
-                  </a:schemeClr>
-                </a:glow>
-              </a:effectLst>
-              <a:latin typeface="Arial Rounded MT Bold" panose="020F0704030504030204" pitchFamily="34" charset="0"/>
-            </a:endParaRPr>
-          </a:p>
-        </p:txBody>
-      </p:sp>
       <p:pic>
         <p:nvPicPr>
           <p:cNvPr id="35" name="Picture 34"/>
@@ -9066,41 +7936,6 @@
           </a:prstGeom>
         </p:spPr>
       </p:pic>
-      <p:cxnSp>
-        <p:nvCxnSpPr>
-          <p:cNvPr id="63" name="Straight Connector 62"/>
-          <p:cNvCxnSpPr/>
-          <p:nvPr/>
-        </p:nvCxnSpPr>
-        <p:spPr>
-          <a:xfrm flipV="1">
-            <a:off x="1887383" y="301896"/>
-            <a:ext cx="7895" cy="535352"/>
-          </a:xfrm>
-          <a:prstGeom prst="line">
-            <a:avLst/>
-          </a:prstGeom>
-          <a:ln>
-            <a:solidFill>
-              <a:schemeClr val="bg2"/>
-            </a:solidFill>
-          </a:ln>
-        </p:spPr>
-        <p:style>
-          <a:lnRef idx="1">
-            <a:schemeClr val="accent1"/>
-          </a:lnRef>
-          <a:fillRef idx="0">
-            <a:schemeClr val="accent1"/>
-          </a:fillRef>
-          <a:effectRef idx="0">
-            <a:schemeClr val="accent1"/>
-          </a:effectRef>
-          <a:fontRef idx="minor">
-            <a:schemeClr val="tx1"/>
-          </a:fontRef>
-        </p:style>
-      </p:cxnSp>
       <p:pic>
         <p:nvPicPr>
           <p:cNvPr id="2" name="Picture 1"/>
@@ -9129,7 +7964,7 @@
         </p:blipFill>
         <p:spPr>
           <a:xfrm>
-            <a:off x="31316" y="1206500"/>
+            <a:off x="31316" y="1138260"/>
             <a:ext cx="539355" cy="547358"/>
           </a:xfrm>
           <a:prstGeom prst="rect">
@@ -9147,56 +7982,51 @@
           </a:effectLst>
         </p:spPr>
       </p:pic>
-      <p:sp>
-        <p:nvSpPr>
-          <p:cNvPr id="42" name="TextBox 41"/>
+      <p:cxnSp>
+        <p:nvCxnSpPr>
+          <p:cNvPr id="20" name="Straight Connector 19"/>
+          <p:cNvCxnSpPr/>
+          <p:nvPr/>
+        </p:nvCxnSpPr>
+        <p:spPr>
+          <a:xfrm flipV="1">
+            <a:off x="4026898" y="301896"/>
+            <a:ext cx="7895" cy="535352"/>
+          </a:xfrm>
+          <a:prstGeom prst="line">
+            <a:avLst/>
+          </a:prstGeom>
+          <a:ln>
+            <a:solidFill>
+              <a:schemeClr val="bg2"/>
+            </a:solidFill>
+          </a:ln>
+        </p:spPr>
+        <p:style>
+          <a:lnRef idx="1">
+            <a:schemeClr val="accent1"/>
+          </a:lnRef>
+          <a:fillRef idx="0">
+            <a:schemeClr val="accent1"/>
+          </a:fillRef>
+          <a:effectRef idx="0">
+            <a:schemeClr val="accent1"/>
+          </a:effectRef>
+          <a:fontRef idx="minor">
+            <a:schemeClr val="tx1"/>
+          </a:fontRef>
+        </p:style>
+      </p:cxnSp>
+      <p:sp>
+        <p:nvSpPr>
+          <p:cNvPr id="21" name="TextBox 20"/>
           <p:cNvSpPr txBox="1"/>
           <p:nvPr/>
         </p:nvSpPr>
         <p:spPr>
           <a:xfrm>
-            <a:off x="2078073" y="1260000"/>
-            <a:ext cx="2066517" cy="261610"/>
-          </a:xfrm>
-          <a:prstGeom prst="rect">
-            <a:avLst/>
-          </a:prstGeom>
-          <a:noFill/>
-        </p:spPr>
-        <p:txBody>
-          <a:bodyPr wrap="square" rtlCol="0">
-            <a:spAutoFit/>
-          </a:bodyPr>
-          <a:lstStyle/>
-          <a:p>
-            <a:r>
-              <a:rPr lang="en-GB" sz="1100" dirty="0" smtClean="0">
-                <a:solidFill>
-                  <a:srgbClr val="024B76"/>
-                </a:solidFill>
-                <a:latin typeface="Arial Rounded MT Bold" panose="020F0704030504030204" pitchFamily="34" charset="0"/>
-              </a:rPr>
-              <a:t>Cell Sensitivity Curves</a:t>
-            </a:r>
-            <a:endParaRPr lang="es-CO" sz="1100" dirty="0">
-              <a:solidFill>
-                <a:srgbClr val="024B76"/>
-              </a:solidFill>
-              <a:latin typeface="Arial Rounded MT Bold" panose="020F0704030504030204" pitchFamily="34" charset="0"/>
-            </a:endParaRPr>
-          </a:p>
-        </p:txBody>
-      </p:sp>
-      <p:sp>
-        <p:nvSpPr>
-          <p:cNvPr id="43" name="TextBox 42"/>
-          <p:cNvSpPr txBox="1"/>
-          <p:nvPr/>
-        </p:nvSpPr>
-        <p:spPr>
-          <a:xfrm>
-            <a:off x="998587" y="1260000"/>
-            <a:ext cx="1777591" cy="261610"/>
+            <a:off x="2220103" y="418656"/>
+            <a:ext cx="1492094" cy="307777"/>
           </a:xfrm>
           <a:prstGeom prst="rect">
             <a:avLst/>
@@ -9214,7 +8044,7 @@
             <a:lvl1pPr>
               <a:defRPr sz="1400" b="1">
                 <a:solidFill>
-                  <a:srgbClr val="007DBB"/>
+                  <a:srgbClr val="04AEDA"/>
                 </a:solidFill>
                 <a:latin typeface="Arial Rounded MT Bold" panose="020F0704030504030204" pitchFamily="34" charset="0"/>
               </a:defRPr>
@@ -9222,321 +8052,27 @@
           </a:lstStyle>
           <a:p>
             <a:r>
-              <a:rPr lang="en-GB" sz="1100" b="0" dirty="0" smtClean="0">
-                <a:solidFill>
-                  <a:srgbClr val="024B76"/>
-                </a:solidFill>
+              <a:rPr lang="en-GB" b="0" dirty="0" smtClean="0">
+                <a:effectLst/>
               </a:rPr>
-              <a:t>Options</a:t>
-            </a:r>
-            <a:endParaRPr lang="es-CO" sz="1100" b="0" dirty="0">
-              <a:solidFill>
-                <a:srgbClr val="024B76"/>
-              </a:solidFill>
+              <a:t>Back to Home</a:t>
+            </a:r>
+            <a:endParaRPr lang="es-CO" b="0" dirty="0">
+              <a:effectLst/>
             </a:endParaRPr>
           </a:p>
         </p:txBody>
       </p:sp>
       <p:cxnSp>
         <p:nvCxnSpPr>
-          <p:cNvPr id="49" name="Straight Connector 48"/>
+          <p:cNvPr id="24" name="Straight Connector 23"/>
           <p:cNvCxnSpPr/>
           <p:nvPr/>
         </p:nvCxnSpPr>
         <p:spPr>
           <a:xfrm flipV="1">
-            <a:off x="812181" y="1548000"/>
-            <a:ext cx="900000" cy="1663"/>
-          </a:xfrm>
-          <a:prstGeom prst="line">
-            <a:avLst/>
-          </a:prstGeom>
-          <a:ln>
-            <a:solidFill>
-              <a:schemeClr val="bg2"/>
-            </a:solidFill>
-          </a:ln>
-        </p:spPr>
-        <p:style>
-          <a:lnRef idx="1">
-            <a:schemeClr val="accent1"/>
-          </a:lnRef>
-          <a:fillRef idx="0">
-            <a:schemeClr val="accent1"/>
-          </a:fillRef>
-          <a:effectRef idx="0">
-            <a:schemeClr val="accent1"/>
-          </a:effectRef>
-          <a:fontRef idx="minor">
-            <a:schemeClr val="tx1"/>
-          </a:fontRef>
-        </p:style>
-      </p:cxnSp>
-      <p:cxnSp>
-        <p:nvCxnSpPr>
-          <p:cNvPr id="50" name="Straight Connector 49"/>
-          <p:cNvCxnSpPr/>
-          <p:nvPr/>
-        </p:nvCxnSpPr>
-        <p:spPr>
-          <a:xfrm flipV="1">
-            <a:off x="1891667" y="1548000"/>
-            <a:ext cx="2473944" cy="1663"/>
-          </a:xfrm>
-          <a:prstGeom prst="line">
-            <a:avLst/>
-          </a:prstGeom>
-          <a:ln>
-            <a:solidFill>
-              <a:schemeClr val="bg2"/>
-            </a:solidFill>
-          </a:ln>
-        </p:spPr>
-        <p:style>
-          <a:lnRef idx="1">
-            <a:schemeClr val="accent1"/>
-          </a:lnRef>
-          <a:fillRef idx="0">
-            <a:schemeClr val="accent1"/>
-          </a:fillRef>
-          <a:effectRef idx="0">
-            <a:schemeClr val="accent1"/>
-          </a:effectRef>
-          <a:fontRef idx="minor">
-            <a:schemeClr val="tx1"/>
-          </a:fontRef>
-        </p:style>
-      </p:cxnSp>
-      <p:sp>
-        <p:nvSpPr>
-          <p:cNvPr id="51" name="TextBox 50"/>
-          <p:cNvSpPr txBox="1"/>
-          <p:nvPr/>
-        </p:nvSpPr>
-        <p:spPr>
-          <a:xfrm>
-            <a:off x="4685978" y="1260000"/>
-            <a:ext cx="2066517" cy="261610"/>
-          </a:xfrm>
-          <a:prstGeom prst="rect">
-            <a:avLst/>
-          </a:prstGeom>
-          <a:noFill/>
-        </p:spPr>
-        <p:txBody>
-          <a:bodyPr wrap="square" rtlCol="0">
-            <a:spAutoFit/>
-          </a:bodyPr>
-          <a:lstStyle/>
-          <a:p>
-            <a:r>
-              <a:rPr lang="en-GB" sz="1100" dirty="0" smtClean="0">
-                <a:solidFill>
-                  <a:srgbClr val="024B76"/>
-                </a:solidFill>
-                <a:latin typeface="Arial Rounded MT Bold" panose="020F0704030504030204" pitchFamily="34" charset="0"/>
-              </a:rPr>
-              <a:t>Manual Reallocation</a:t>
-            </a:r>
-            <a:endParaRPr lang="es-CO" sz="1100" dirty="0">
-              <a:solidFill>
-                <a:srgbClr val="024B76"/>
-              </a:solidFill>
-              <a:latin typeface="Arial Rounded MT Bold" panose="020F0704030504030204" pitchFamily="34" charset="0"/>
-            </a:endParaRPr>
-          </a:p>
-        </p:txBody>
-      </p:sp>
-      <p:cxnSp>
-        <p:nvCxnSpPr>
-          <p:cNvPr id="54" name="Straight Connector 53"/>
-          <p:cNvCxnSpPr/>
-          <p:nvPr/>
-        </p:nvCxnSpPr>
-        <p:spPr>
-          <a:xfrm flipV="1">
-            <a:off x="4499572" y="1548000"/>
-            <a:ext cx="2473944" cy="1663"/>
-          </a:xfrm>
-          <a:prstGeom prst="line">
-            <a:avLst/>
-          </a:prstGeom>
-          <a:ln>
-            <a:solidFill>
-              <a:schemeClr val="bg2"/>
-            </a:solidFill>
-          </a:ln>
-        </p:spPr>
-        <p:style>
-          <a:lnRef idx="1">
-            <a:schemeClr val="accent1"/>
-          </a:lnRef>
-          <a:fillRef idx="0">
-            <a:schemeClr val="accent1"/>
-          </a:fillRef>
-          <a:effectRef idx="0">
-            <a:schemeClr val="accent1"/>
-          </a:effectRef>
-          <a:fontRef idx="minor">
-            <a:schemeClr val="tx1"/>
-          </a:fontRef>
-        </p:style>
-      </p:cxnSp>
-      <p:pic>
-        <p:nvPicPr>
-          <p:cNvPr id="55" name="Picture 54"/>
-          <p:cNvPicPr>
-            <a:picLocks noChangeAspect="1"/>
-          </p:cNvPicPr>
-          <p:nvPr/>
-        </p:nvPicPr>
-        <p:blipFill>
-          <a:blip r:embed="rId9" cstate="print">
-            <a:extLst>
-              <a:ext uri="{28A0092B-C50C-407E-A947-70E740481C1C}">
-                <a14:useLocalDpi xmlns:a14="http://schemas.microsoft.com/office/drawing/2010/main" val="0"/>
-              </a:ext>
-            </a:extLst>
-          </a:blip>
-          <a:stretch>
-            <a:fillRect/>
-          </a:stretch>
-        </p:blipFill>
-        <p:spPr>
-          <a:xfrm>
-            <a:off x="792700" y="1267378"/>
-            <a:ext cx="225369" cy="228600"/>
-          </a:xfrm>
-          <a:prstGeom prst="rect">
-            <a:avLst/>
-          </a:prstGeom>
-        </p:spPr>
-      </p:pic>
-      <p:sp>
-        <p:nvSpPr>
-          <p:cNvPr id="56" name="TextBox 55"/>
-          <p:cNvSpPr txBox="1"/>
-          <p:nvPr/>
-        </p:nvSpPr>
-        <p:spPr>
-          <a:xfrm>
-            <a:off x="7293883" y="1255672"/>
-            <a:ext cx="2066517" cy="261610"/>
-          </a:xfrm>
-          <a:prstGeom prst="rect">
-            <a:avLst/>
-          </a:prstGeom>
-          <a:noFill/>
-        </p:spPr>
-        <p:txBody>
-          <a:bodyPr wrap="square" rtlCol="0">
-            <a:spAutoFit/>
-          </a:bodyPr>
-          <a:lstStyle/>
-          <a:p>
-            <a:r>
-              <a:rPr lang="en-GB" sz="1100" dirty="0" smtClean="0">
-                <a:solidFill>
-                  <a:srgbClr val="024B76"/>
-                </a:solidFill>
-                <a:latin typeface="Arial Rounded MT Bold" panose="020F0704030504030204" pitchFamily="34" charset="0"/>
-              </a:rPr>
-              <a:t>What-If Drivers Analysis</a:t>
-            </a:r>
-            <a:endParaRPr lang="es-CO" sz="1100" dirty="0">
-              <a:solidFill>
-                <a:srgbClr val="024B76"/>
-              </a:solidFill>
-              <a:latin typeface="Arial Rounded MT Bold" panose="020F0704030504030204" pitchFamily="34" charset="0"/>
-            </a:endParaRPr>
-          </a:p>
-        </p:txBody>
-      </p:sp>
-      <p:cxnSp>
-        <p:nvCxnSpPr>
-          <p:cNvPr id="57" name="Straight Connector 56"/>
-          <p:cNvCxnSpPr/>
-          <p:nvPr/>
-        </p:nvCxnSpPr>
-        <p:spPr>
-          <a:xfrm flipV="1">
-            <a:off x="7107477" y="1543672"/>
-            <a:ext cx="2473944" cy="1663"/>
-          </a:xfrm>
-          <a:prstGeom prst="line">
-            <a:avLst/>
-          </a:prstGeom>
-          <a:ln>
-            <a:solidFill>
-              <a:schemeClr val="bg2"/>
-            </a:solidFill>
-          </a:ln>
-        </p:spPr>
-        <p:style>
-          <a:lnRef idx="1">
-            <a:schemeClr val="accent1"/>
-          </a:lnRef>
-          <a:fillRef idx="0">
-            <a:schemeClr val="accent1"/>
-          </a:fillRef>
-          <a:effectRef idx="0">
-            <a:schemeClr val="accent1"/>
-          </a:effectRef>
-          <a:fontRef idx="minor">
-            <a:schemeClr val="tx1"/>
-          </a:fontRef>
-        </p:style>
-      </p:cxnSp>
-      <p:sp>
-        <p:nvSpPr>
-          <p:cNvPr id="58" name="TextBox 57"/>
-          <p:cNvSpPr txBox="1"/>
-          <p:nvPr/>
-        </p:nvSpPr>
-        <p:spPr>
-          <a:xfrm>
-            <a:off x="9922484" y="1255672"/>
-            <a:ext cx="2066517" cy="261610"/>
-          </a:xfrm>
-          <a:prstGeom prst="rect">
-            <a:avLst/>
-          </a:prstGeom>
-          <a:noFill/>
-        </p:spPr>
-        <p:txBody>
-          <a:bodyPr wrap="square" rtlCol="0">
-            <a:spAutoFit/>
-          </a:bodyPr>
-          <a:lstStyle/>
-          <a:p>
-            <a:r>
-              <a:rPr lang="en-GB" sz="1100" dirty="0" smtClean="0">
-                <a:solidFill>
-                  <a:srgbClr val="024B76"/>
-                </a:solidFill>
-                <a:latin typeface="Arial Rounded MT Bold" panose="020F0704030504030204" pitchFamily="34" charset="0"/>
-              </a:rPr>
-              <a:t>Scenario Results</a:t>
-            </a:r>
-            <a:endParaRPr lang="es-CO" sz="1100" dirty="0">
-              <a:solidFill>
-                <a:srgbClr val="024B76"/>
-              </a:solidFill>
-              <a:latin typeface="Arial Rounded MT Bold" panose="020F0704030504030204" pitchFamily="34" charset="0"/>
-            </a:endParaRPr>
-          </a:p>
-        </p:txBody>
-      </p:sp>
-      <p:cxnSp>
-        <p:nvCxnSpPr>
-          <p:cNvPr id="59" name="Straight Connector 58"/>
-          <p:cNvCxnSpPr/>
-          <p:nvPr/>
-        </p:nvCxnSpPr>
-        <p:spPr>
-          <a:xfrm flipV="1">
-            <a:off x="9736078" y="1543672"/>
-            <a:ext cx="2232000" cy="1663"/>
+            <a:off x="1887383" y="301896"/>
+            <a:ext cx="7895" cy="535352"/>
           </a:xfrm>
           <a:prstGeom prst="line">
             <a:avLst/>
@@ -9601,7 +8137,7 @@
       </p:grpSpPr>
       <p:pic>
         <p:nvPicPr>
-          <p:cNvPr id="28" name="Picture 27"/>
+          <p:cNvPr id="30" name="Picture 29"/>
           <p:cNvPicPr>
             <a:picLocks noChangeAspect="1"/>
           </p:cNvPicPr>
@@ -9627,8 +8163,8 @@
         </p:blipFill>
         <p:spPr>
           <a:xfrm>
-            <a:off x="0" y="1437632"/>
-            <a:ext cx="794941" cy="919806"/>
+            <a:off x="1" y="1369392"/>
+            <a:ext cx="682388" cy="582237"/>
           </a:xfrm>
           <a:prstGeom prst="rect">
             <a:avLst/>
@@ -9637,7 +8173,7 @@
       </p:pic>
       <p:pic>
         <p:nvPicPr>
-          <p:cNvPr id="29" name="Picture 28"/>
+          <p:cNvPr id="31" name="Picture 30"/>
           <p:cNvPicPr>
             <a:picLocks noChangeAspect="1"/>
           </p:cNvPicPr>
@@ -9663,14 +8199,84 @@
         </p:blipFill>
         <p:spPr>
           <a:xfrm>
-            <a:off x="31316" y="1696923"/>
-            <a:ext cx="780865" cy="763390"/>
+            <a:off x="31316" y="1369392"/>
+            <a:ext cx="780865" cy="663242"/>
           </a:xfrm>
           <a:prstGeom prst="rect">
             <a:avLst/>
           </a:prstGeom>
         </p:spPr>
       </p:pic>
+      <p:cxnSp>
+        <p:nvCxnSpPr>
+          <p:cNvPr id="32" name="Straight Connector 31"/>
+          <p:cNvCxnSpPr/>
+          <p:nvPr/>
+        </p:nvCxnSpPr>
+        <p:spPr>
+          <a:xfrm flipV="1">
+            <a:off x="812181" y="1698244"/>
+            <a:ext cx="2473944" cy="1663"/>
+          </a:xfrm>
+          <a:prstGeom prst="line">
+            <a:avLst/>
+          </a:prstGeom>
+          <a:ln>
+            <a:solidFill>
+              <a:schemeClr val="bg2"/>
+            </a:solidFill>
+          </a:ln>
+        </p:spPr>
+        <p:style>
+          <a:lnRef idx="1">
+            <a:schemeClr val="accent1"/>
+          </a:lnRef>
+          <a:fillRef idx="0">
+            <a:schemeClr val="accent1"/>
+          </a:fillRef>
+          <a:effectRef idx="0">
+            <a:schemeClr val="accent1"/>
+          </a:effectRef>
+          <a:fontRef idx="minor">
+            <a:schemeClr val="tx1"/>
+          </a:fontRef>
+        </p:style>
+      </p:cxnSp>
+      <p:cxnSp>
+        <p:nvCxnSpPr>
+          <p:cNvPr id="33" name="Straight Connector 32"/>
+          <p:cNvCxnSpPr/>
+          <p:nvPr/>
+        </p:nvCxnSpPr>
+        <p:spPr>
+          <a:xfrm>
+            <a:off x="3294020" y="1698244"/>
+            <a:ext cx="3682053" cy="0"/>
+          </a:xfrm>
+          <a:prstGeom prst="line">
+            <a:avLst/>
+          </a:prstGeom>
+          <a:ln>
+            <a:solidFill>
+              <a:schemeClr val="bg2"/>
+            </a:solidFill>
+          </a:ln>
+        </p:spPr>
+        <p:style>
+          <a:lnRef idx="1">
+            <a:schemeClr val="accent1"/>
+          </a:lnRef>
+          <a:fillRef idx="0">
+            <a:schemeClr val="accent1"/>
+          </a:fillRef>
+          <a:effectRef idx="0">
+            <a:schemeClr val="accent1"/>
+          </a:effectRef>
+          <a:fontRef idx="minor">
+            <a:schemeClr val="tx1"/>
+          </a:fontRef>
+        </p:style>
+      </p:cxnSp>
       <p:pic>
         <p:nvPicPr>
           <p:cNvPr id="8" name="Picture 7"/>
@@ -9700,192 +8306,6 @@
           </a:prstGeom>
         </p:spPr>
       </p:pic>
-      <p:cxnSp>
-        <p:nvCxnSpPr>
-          <p:cNvPr id="14" name="Straight Connector 13"/>
-          <p:cNvCxnSpPr/>
-          <p:nvPr/>
-        </p:nvCxnSpPr>
-        <p:spPr>
-          <a:xfrm flipV="1">
-            <a:off x="6968178" y="310174"/>
-            <a:ext cx="7895" cy="535352"/>
-          </a:xfrm>
-          <a:prstGeom prst="line">
-            <a:avLst/>
-          </a:prstGeom>
-          <a:ln>
-            <a:solidFill>
-              <a:schemeClr val="bg2"/>
-            </a:solidFill>
-          </a:ln>
-        </p:spPr>
-        <p:style>
-          <a:lnRef idx="1">
-            <a:schemeClr val="accent1"/>
-          </a:lnRef>
-          <a:fillRef idx="0">
-            <a:schemeClr val="accent1"/>
-          </a:fillRef>
-          <a:effectRef idx="0">
-            <a:schemeClr val="accent1"/>
-          </a:effectRef>
-          <a:fontRef idx="minor">
-            <a:schemeClr val="tx1"/>
-          </a:fontRef>
-        </p:style>
-      </p:cxnSp>
-      <p:cxnSp>
-        <p:nvCxnSpPr>
-          <p:cNvPr id="15" name="Straight Connector 14"/>
-          <p:cNvCxnSpPr/>
-          <p:nvPr/>
-        </p:nvCxnSpPr>
-        <p:spPr>
-          <a:xfrm flipV="1">
-            <a:off x="5579877" y="310174"/>
-            <a:ext cx="7895" cy="535352"/>
-          </a:xfrm>
-          <a:prstGeom prst="line">
-            <a:avLst/>
-          </a:prstGeom>
-          <a:ln>
-            <a:solidFill>
-              <a:schemeClr val="bg2"/>
-            </a:solidFill>
-          </a:ln>
-        </p:spPr>
-        <p:style>
-          <a:lnRef idx="1">
-            <a:schemeClr val="accent1"/>
-          </a:lnRef>
-          <a:fillRef idx="0">
-            <a:schemeClr val="accent1"/>
-          </a:fillRef>
-          <a:effectRef idx="0">
-            <a:schemeClr val="accent1"/>
-          </a:effectRef>
-          <a:fontRef idx="minor">
-            <a:schemeClr val="tx1"/>
-          </a:fontRef>
-        </p:style>
-      </p:cxnSp>
-      <p:cxnSp>
-        <p:nvCxnSpPr>
-          <p:cNvPr id="18" name="Straight Connector 17"/>
-          <p:cNvCxnSpPr/>
-          <p:nvPr/>
-        </p:nvCxnSpPr>
-        <p:spPr>
-          <a:xfrm flipV="1">
-            <a:off x="2907778" y="301896"/>
-            <a:ext cx="7895" cy="535352"/>
-          </a:xfrm>
-          <a:prstGeom prst="line">
-            <a:avLst/>
-          </a:prstGeom>
-          <a:ln>
-            <a:solidFill>
-              <a:schemeClr val="bg2"/>
-            </a:solidFill>
-          </a:ln>
-        </p:spPr>
-        <p:style>
-          <a:lnRef idx="1">
-            <a:schemeClr val="accent1"/>
-          </a:lnRef>
-          <a:fillRef idx="0">
-            <a:schemeClr val="accent1"/>
-          </a:fillRef>
-          <a:effectRef idx="0">
-            <a:schemeClr val="accent1"/>
-          </a:effectRef>
-          <a:fontRef idx="minor">
-            <a:schemeClr val="tx1"/>
-          </a:fontRef>
-        </p:style>
-      </p:cxnSp>
-      <p:cxnSp>
-        <p:nvCxnSpPr>
-          <p:cNvPr id="23" name="Straight Connector 22"/>
-          <p:cNvCxnSpPr/>
-          <p:nvPr/>
-        </p:nvCxnSpPr>
-        <p:spPr>
-          <a:xfrm flipV="1">
-            <a:off x="4065709" y="308180"/>
-            <a:ext cx="7895" cy="535352"/>
-          </a:xfrm>
-          <a:prstGeom prst="line">
-            <a:avLst/>
-          </a:prstGeom>
-          <a:ln>
-            <a:solidFill>
-              <a:schemeClr val="bg2"/>
-            </a:solidFill>
-          </a:ln>
-        </p:spPr>
-        <p:style>
-          <a:lnRef idx="1">
-            <a:schemeClr val="accent1"/>
-          </a:lnRef>
-          <a:fillRef idx="0">
-            <a:schemeClr val="accent1"/>
-          </a:fillRef>
-          <a:effectRef idx="0">
-            <a:schemeClr val="accent1"/>
-          </a:effectRef>
-          <a:fontRef idx="minor">
-            <a:schemeClr val="tx1"/>
-          </a:fontRef>
-        </p:style>
-      </p:cxnSp>
-      <p:sp>
-        <p:nvSpPr>
-          <p:cNvPr id="39" name="TextBox 38"/>
-          <p:cNvSpPr txBox="1"/>
-          <p:nvPr/>
-        </p:nvSpPr>
-        <p:spPr>
-          <a:xfrm>
-            <a:off x="1960790" y="418656"/>
-            <a:ext cx="760130" cy="307777"/>
-          </a:xfrm>
-          <a:prstGeom prst="rect">
-            <a:avLst/>
-          </a:prstGeom>
-          <a:noFill/>
-        </p:spPr>
-        <p:txBody>
-          <a:bodyPr wrap="square" rtlCol="0">
-            <a:spAutoFit/>
-          </a:bodyPr>
-          <a:lstStyle>
-            <a:defPPr>
-              <a:defRPr lang="es-ES"/>
-            </a:defPPr>
-            <a:lvl1pPr>
-              <a:defRPr sz="1400" b="1">
-                <a:solidFill>
-                  <a:srgbClr val="04AEDA"/>
-                </a:solidFill>
-                <a:latin typeface="Arial Rounded MT Bold" panose="020F0704030504030204" pitchFamily="34" charset="0"/>
-              </a:defRPr>
-            </a:lvl1pPr>
-          </a:lstStyle>
-          <a:p>
-            <a:r>
-              <a:rPr lang="en-GB" b="0" dirty="0">
-                <a:effectLst/>
-              </a:rPr>
-              <a:t>Home</a:t>
-            </a:r>
-            <a:endParaRPr lang="es-CO" b="0" dirty="0">
-              <a:effectLst/>
-            </a:endParaRPr>
-          </a:p>
-        </p:txBody>
-      </p:sp>
       <p:sp>
         <p:nvSpPr>
           <p:cNvPr id="48" name="TextBox 47"/>
@@ -9894,7 +8314,7 @@
         </p:nvSpPr>
         <p:spPr>
           <a:xfrm>
-            <a:off x="7080992" y="418656"/>
+            <a:off x="4105776" y="418656"/>
             <a:ext cx="1304925" cy="307777"/>
           </a:xfrm>
           <a:prstGeom prst="rect">
@@ -9942,128 +8362,6 @@
           </a:p>
         </p:txBody>
       </p:sp>
-      <p:sp>
-        <p:nvSpPr>
-          <p:cNvPr id="44" name="TextBox 43"/>
-          <p:cNvSpPr txBox="1"/>
-          <p:nvPr/>
-        </p:nvSpPr>
-        <p:spPr>
-          <a:xfrm>
-            <a:off x="2977237" y="418656"/>
-            <a:ext cx="1165826" cy="307777"/>
-          </a:xfrm>
-          <a:prstGeom prst="rect">
-            <a:avLst/>
-          </a:prstGeom>
-          <a:noFill/>
-        </p:spPr>
-        <p:txBody>
-          <a:bodyPr wrap="square" rtlCol="0">
-            <a:spAutoFit/>
-          </a:bodyPr>
-          <a:lstStyle>
-            <a:defPPr>
-              <a:defRPr lang="es-ES"/>
-            </a:defPPr>
-            <a:lvl1pPr>
-              <a:defRPr sz="1400" b="1">
-                <a:solidFill>
-                  <a:srgbClr val="007DBB"/>
-                </a:solidFill>
-                <a:latin typeface="Arial Rounded MT Bold" panose="020F0704030504030204" pitchFamily="34" charset="0"/>
-              </a:defRPr>
-            </a:lvl1pPr>
-          </a:lstStyle>
-          <a:p>
-            <a:r>
-              <a:rPr lang="en-GB" b="0" dirty="0"/>
-              <a:t>Scope</a:t>
-            </a:r>
-            <a:endParaRPr lang="es-CO" b="0" dirty="0"/>
-          </a:p>
-        </p:txBody>
-      </p:sp>
-      <p:sp>
-        <p:nvSpPr>
-          <p:cNvPr id="46" name="TextBox 45"/>
-          <p:cNvSpPr txBox="1"/>
-          <p:nvPr/>
-        </p:nvSpPr>
-        <p:spPr>
-          <a:xfrm>
-            <a:off x="4138810" y="418656"/>
-            <a:ext cx="1165826" cy="307777"/>
-          </a:xfrm>
-          <a:prstGeom prst="rect">
-            <a:avLst/>
-          </a:prstGeom>
-          <a:noFill/>
-        </p:spPr>
-        <p:txBody>
-          <a:bodyPr wrap="square" rtlCol="0">
-            <a:spAutoFit/>
-          </a:bodyPr>
-          <a:lstStyle/>
-          <a:p>
-            <a:r>
-              <a:rPr lang="en-GB" sz="1400" dirty="0">
-                <a:solidFill>
-                  <a:srgbClr val="00A7DD"/>
-                </a:solidFill>
-                <a:latin typeface="Arial Rounded MT Bold" panose="020F0704030504030204" pitchFamily="34" charset="0"/>
-              </a:rPr>
-              <a:t>Investigate</a:t>
-            </a:r>
-            <a:endParaRPr lang="es-CO" sz="1400" dirty="0">
-              <a:solidFill>
-                <a:srgbClr val="00A7DD"/>
-              </a:solidFill>
-              <a:latin typeface="Arial Rounded MT Bold" panose="020F0704030504030204" pitchFamily="34" charset="0"/>
-            </a:endParaRPr>
-          </a:p>
-        </p:txBody>
-      </p:sp>
-      <p:sp>
-        <p:nvSpPr>
-          <p:cNvPr id="53" name="TextBox 52"/>
-          <p:cNvSpPr txBox="1"/>
-          <p:nvPr/>
-        </p:nvSpPr>
-        <p:spPr>
-          <a:xfrm>
-            <a:off x="5671148" y="418656"/>
-            <a:ext cx="1304925" cy="307777"/>
-          </a:xfrm>
-          <a:prstGeom prst="rect">
-            <a:avLst/>
-          </a:prstGeom>
-          <a:noFill/>
-        </p:spPr>
-        <p:txBody>
-          <a:bodyPr wrap="square" rtlCol="0">
-            <a:spAutoFit/>
-          </a:bodyPr>
-          <a:lstStyle/>
-          <a:p>
-            <a:r>
-              <a:rPr lang="en-GB" sz="1400" dirty="0">
-                <a:solidFill>
-                  <a:srgbClr val="04AEDA"/>
-                </a:solidFill>
-                <a:latin typeface="Arial Rounded MT Bold" panose="020F0704030504030204" pitchFamily="34" charset="0"/>
-              </a:rPr>
-              <a:t>Explore</a:t>
-            </a:r>
-            <a:endParaRPr lang="es-CO" sz="1400" dirty="0">
-              <a:solidFill>
-                <a:srgbClr val="04AEDA"/>
-              </a:solidFill>
-              <a:latin typeface="Arial Rounded MT Bold" panose="020F0704030504030204" pitchFamily="34" charset="0"/>
-            </a:endParaRPr>
-          </a:p>
-        </p:txBody>
-      </p:sp>
       <p:pic>
         <p:nvPicPr>
           <p:cNvPr id="35" name="Picture 34"/>
@@ -10124,41 +8422,6 @@
           </a:prstGeom>
         </p:spPr>
       </p:pic>
-      <p:cxnSp>
-        <p:nvCxnSpPr>
-          <p:cNvPr id="63" name="Straight Connector 62"/>
-          <p:cNvCxnSpPr/>
-          <p:nvPr/>
-        </p:nvCxnSpPr>
-        <p:spPr>
-          <a:xfrm flipV="1">
-            <a:off x="1887383" y="301896"/>
-            <a:ext cx="7895" cy="535352"/>
-          </a:xfrm>
-          <a:prstGeom prst="line">
-            <a:avLst/>
-          </a:prstGeom>
-          <a:ln>
-            <a:solidFill>
-              <a:schemeClr val="bg2"/>
-            </a:solidFill>
-          </a:ln>
-        </p:spPr>
-        <p:style>
-          <a:lnRef idx="1">
-            <a:schemeClr val="accent1"/>
-          </a:lnRef>
-          <a:fillRef idx="0">
-            <a:schemeClr val="accent1"/>
-          </a:fillRef>
-          <a:effectRef idx="0">
-            <a:schemeClr val="accent1"/>
-          </a:effectRef>
-          <a:fontRef idx="minor">
-            <a:schemeClr val="tx1"/>
-          </a:fontRef>
-        </p:style>
-      </p:cxnSp>
       <p:pic>
         <p:nvPicPr>
           <p:cNvPr id="2" name="Picture 1"/>
@@ -10187,7 +8450,7 @@
         </p:blipFill>
         <p:spPr>
           <a:xfrm>
-            <a:off x="31316" y="1201664"/>
+            <a:off x="31316" y="1133424"/>
             <a:ext cx="525068" cy="533070"/>
           </a:xfrm>
           <a:prstGeom prst="rect">
@@ -10205,56 +8468,16 @@
           </a:effectLst>
         </p:spPr>
       </p:pic>
-      <p:sp>
-        <p:nvSpPr>
-          <p:cNvPr id="51" name="TextBox 50"/>
-          <p:cNvSpPr txBox="1"/>
-          <p:nvPr/>
-        </p:nvSpPr>
-        <p:spPr>
-          <a:xfrm>
-            <a:off x="997200" y="1260000"/>
-            <a:ext cx="2066517" cy="261610"/>
-          </a:xfrm>
-          <a:prstGeom prst="rect">
-            <a:avLst/>
-          </a:prstGeom>
-          <a:noFill/>
-        </p:spPr>
-        <p:txBody>
-          <a:bodyPr wrap="square" rtlCol="0">
-            <a:spAutoFit/>
-          </a:bodyPr>
-          <a:lstStyle/>
-          <a:p>
-            <a:r>
-              <a:rPr lang="en-GB" sz="1100" dirty="0" smtClean="0">
-                <a:solidFill>
-                  <a:srgbClr val="024B76"/>
-                </a:solidFill>
-                <a:latin typeface="Arial Rounded MT Bold" panose="020F0704030504030204" pitchFamily="34" charset="0"/>
-              </a:rPr>
-              <a:t>Current Cell Ranking</a:t>
-            </a:r>
-            <a:endParaRPr lang="es-CO" sz="1100" dirty="0">
-              <a:solidFill>
-                <a:srgbClr val="024B76"/>
-              </a:solidFill>
-              <a:latin typeface="Arial Rounded MT Bold" panose="020F0704030504030204" pitchFamily="34" charset="0"/>
-            </a:endParaRPr>
-          </a:p>
-        </p:txBody>
-      </p:sp>
       <p:cxnSp>
         <p:nvCxnSpPr>
-          <p:cNvPr id="55" name="Straight Connector 54"/>
+          <p:cNvPr id="20" name="Straight Connector 19"/>
           <p:cNvCxnSpPr/>
           <p:nvPr/>
         </p:nvCxnSpPr>
         <p:spPr>
           <a:xfrm flipV="1">
-            <a:off x="813600" y="1548000"/>
-            <a:ext cx="1800000" cy="1663"/>
+            <a:off x="4026898" y="301896"/>
+            <a:ext cx="7895" cy="535352"/>
           </a:xfrm>
           <a:prstGeom prst="line">
             <a:avLst/>
@@ -10282,14 +8505,14 @@
       </p:cxnSp>
       <p:sp>
         <p:nvSpPr>
-          <p:cNvPr id="64" name="TextBox 63"/>
+          <p:cNvPr id="21" name="TextBox 20"/>
           <p:cNvSpPr txBox="1"/>
           <p:nvPr/>
         </p:nvSpPr>
         <p:spPr>
           <a:xfrm>
-            <a:off x="2977237" y="1260000"/>
-            <a:ext cx="2066517" cy="261610"/>
+            <a:off x="2220103" y="418656"/>
+            <a:ext cx="1492094" cy="307777"/>
           </a:xfrm>
           <a:prstGeom prst="rect">
             <a:avLst/>
@@ -10300,336 +8523,42 @@
           <a:bodyPr wrap="square" rtlCol="0">
             <a:spAutoFit/>
           </a:bodyPr>
-          <a:lstStyle/>
-          <a:p>
-            <a:r>
-              <a:rPr lang="en-GB" sz="1100" dirty="0" smtClean="0">
+          <a:lstStyle>
+            <a:defPPr>
+              <a:defRPr lang="es-ES"/>
+            </a:defPPr>
+            <a:lvl1pPr>
+              <a:defRPr sz="1400" b="1">
                 <a:solidFill>
-                  <a:srgbClr val="024B76"/>
+                  <a:srgbClr val="04AEDA"/>
                 </a:solidFill>
                 <a:latin typeface="Arial Rounded MT Bold" panose="020F0704030504030204" pitchFamily="34" charset="0"/>
+              </a:defRPr>
+            </a:lvl1pPr>
+          </a:lstStyle>
+          <a:p>
+            <a:r>
+              <a:rPr lang="en-GB" b="0" dirty="0" smtClean="0">
+                <a:effectLst/>
               </a:rPr>
-              <a:t>Ringfencing</a:t>
-            </a:r>
-            <a:endParaRPr lang="es-CO" sz="1100" dirty="0">
-              <a:solidFill>
-                <a:srgbClr val="024B76"/>
-              </a:solidFill>
-              <a:latin typeface="Arial Rounded MT Bold" panose="020F0704030504030204" pitchFamily="34" charset="0"/>
+              <a:t>Back to Home</a:t>
+            </a:r>
+            <a:endParaRPr lang="es-CO" b="0" dirty="0">
+              <a:effectLst/>
             </a:endParaRPr>
           </a:p>
         </p:txBody>
       </p:sp>
       <p:cxnSp>
         <p:nvCxnSpPr>
-          <p:cNvPr id="65" name="Straight Connector 64"/>
+          <p:cNvPr id="24" name="Straight Connector 23"/>
           <p:cNvCxnSpPr/>
           <p:nvPr/>
         </p:nvCxnSpPr>
         <p:spPr>
           <a:xfrm flipV="1">
-            <a:off x="2793637" y="1548000"/>
-            <a:ext cx="1800000" cy="1663"/>
-          </a:xfrm>
-          <a:prstGeom prst="line">
-            <a:avLst/>
-          </a:prstGeom>
-          <a:ln>
-            <a:solidFill>
-              <a:schemeClr val="bg2"/>
-            </a:solidFill>
-          </a:ln>
-        </p:spPr>
-        <p:style>
-          <a:lnRef idx="1">
-            <a:schemeClr val="accent1"/>
-          </a:lnRef>
-          <a:fillRef idx="0">
-            <a:schemeClr val="accent1"/>
-          </a:fillRef>
-          <a:effectRef idx="0">
-            <a:schemeClr val="accent1"/>
-          </a:effectRef>
-          <a:fontRef idx="minor">
-            <a:schemeClr val="tx1"/>
-          </a:fontRef>
-        </p:style>
-      </p:cxnSp>
-      <p:sp>
-        <p:nvSpPr>
-          <p:cNvPr id="67" name="TextBox 66"/>
-          <p:cNvSpPr txBox="1"/>
-          <p:nvPr/>
-        </p:nvSpPr>
-        <p:spPr>
-          <a:xfrm>
-            <a:off x="4957274" y="1260000"/>
-            <a:ext cx="2066517" cy="261610"/>
-          </a:xfrm>
-          <a:prstGeom prst="rect">
-            <a:avLst/>
-          </a:prstGeom>
-          <a:noFill/>
-        </p:spPr>
-        <p:txBody>
-          <a:bodyPr wrap="square" rtlCol="0">
-            <a:spAutoFit/>
-          </a:bodyPr>
-          <a:lstStyle/>
-          <a:p>
-            <a:r>
-              <a:rPr lang="en-GB" sz="1100" dirty="0" smtClean="0">
-                <a:solidFill>
-                  <a:srgbClr val="024B76"/>
-                </a:solidFill>
-                <a:latin typeface="Arial Rounded MT Bold" panose="020F0704030504030204" pitchFamily="34" charset="0"/>
-              </a:rPr>
-              <a:t>Budget Increase</a:t>
-            </a:r>
-            <a:endParaRPr lang="es-CO" sz="1100" dirty="0">
-              <a:solidFill>
-                <a:srgbClr val="024B76"/>
-              </a:solidFill>
-              <a:latin typeface="Arial Rounded MT Bold" panose="020F0704030504030204" pitchFamily="34" charset="0"/>
-            </a:endParaRPr>
-          </a:p>
-        </p:txBody>
-      </p:sp>
-      <p:cxnSp>
-        <p:nvCxnSpPr>
-          <p:cNvPr id="68" name="Straight Connector 67"/>
-          <p:cNvCxnSpPr/>
-          <p:nvPr/>
-        </p:nvCxnSpPr>
-        <p:spPr>
-          <a:xfrm flipV="1">
-            <a:off x="4773674" y="1548000"/>
-            <a:ext cx="1800000" cy="1663"/>
-          </a:xfrm>
-          <a:prstGeom prst="line">
-            <a:avLst/>
-          </a:prstGeom>
-          <a:ln>
-            <a:solidFill>
-              <a:schemeClr val="bg2"/>
-            </a:solidFill>
-          </a:ln>
-        </p:spPr>
-        <p:style>
-          <a:lnRef idx="1">
-            <a:schemeClr val="accent1"/>
-          </a:lnRef>
-          <a:fillRef idx="0">
-            <a:schemeClr val="accent1"/>
-          </a:fillRef>
-          <a:effectRef idx="0">
-            <a:schemeClr val="accent1"/>
-          </a:effectRef>
-          <a:fontRef idx="minor">
-            <a:schemeClr val="tx1"/>
-          </a:fontRef>
-        </p:style>
-      </p:cxnSp>
-      <p:sp>
-        <p:nvSpPr>
-          <p:cNvPr id="70" name="TextBox 69"/>
-          <p:cNvSpPr txBox="1"/>
-          <p:nvPr/>
-        </p:nvSpPr>
-        <p:spPr>
-          <a:xfrm>
-            <a:off x="6937311" y="1260000"/>
-            <a:ext cx="2066517" cy="261610"/>
-          </a:xfrm>
-          <a:prstGeom prst="rect">
-            <a:avLst/>
-          </a:prstGeom>
-          <a:noFill/>
-        </p:spPr>
-        <p:txBody>
-          <a:bodyPr wrap="square" rtlCol="0">
-            <a:spAutoFit/>
-          </a:bodyPr>
-          <a:lstStyle/>
-          <a:p>
-            <a:r>
-              <a:rPr lang="en-GB" sz="1100" dirty="0" smtClean="0">
-                <a:solidFill>
-                  <a:srgbClr val="024B76"/>
-                </a:solidFill>
-                <a:latin typeface="Arial Rounded MT Bold" panose="020F0704030504030204" pitchFamily="34" charset="0"/>
-              </a:rPr>
-              <a:t>Budget Decrease</a:t>
-            </a:r>
-            <a:endParaRPr lang="es-CO" sz="1100" dirty="0">
-              <a:solidFill>
-                <a:srgbClr val="024B76"/>
-              </a:solidFill>
-              <a:latin typeface="Arial Rounded MT Bold" panose="020F0704030504030204" pitchFamily="34" charset="0"/>
-            </a:endParaRPr>
-          </a:p>
-        </p:txBody>
-      </p:sp>
-      <p:cxnSp>
-        <p:nvCxnSpPr>
-          <p:cNvPr id="71" name="Straight Connector 70"/>
-          <p:cNvCxnSpPr/>
-          <p:nvPr/>
-        </p:nvCxnSpPr>
-        <p:spPr>
-          <a:xfrm flipV="1">
-            <a:off x="6753711" y="1548000"/>
-            <a:ext cx="1800000" cy="1663"/>
-          </a:xfrm>
-          <a:prstGeom prst="line">
-            <a:avLst/>
-          </a:prstGeom>
-          <a:ln>
-            <a:solidFill>
-              <a:schemeClr val="bg2"/>
-            </a:solidFill>
-          </a:ln>
-        </p:spPr>
-        <p:style>
-          <a:lnRef idx="1">
-            <a:schemeClr val="accent1"/>
-          </a:lnRef>
-          <a:fillRef idx="0">
-            <a:schemeClr val="accent1"/>
-          </a:fillRef>
-          <a:effectRef idx="0">
-            <a:schemeClr val="accent1"/>
-          </a:effectRef>
-          <a:fontRef idx="minor">
-            <a:schemeClr val="tx1"/>
-          </a:fontRef>
-        </p:style>
-      </p:cxnSp>
-      <p:sp>
-        <p:nvSpPr>
-          <p:cNvPr id="72" name="TextBox 71"/>
-          <p:cNvSpPr txBox="1"/>
-          <p:nvPr/>
-        </p:nvSpPr>
-        <p:spPr>
-          <a:xfrm>
-            <a:off x="8917348" y="1260000"/>
-            <a:ext cx="2066517" cy="261610"/>
-          </a:xfrm>
-          <a:prstGeom prst="rect">
-            <a:avLst/>
-          </a:prstGeom>
-          <a:noFill/>
-        </p:spPr>
-        <p:txBody>
-          <a:bodyPr wrap="square" rtlCol="0">
-            <a:spAutoFit/>
-          </a:bodyPr>
-          <a:lstStyle/>
-          <a:p>
-            <a:r>
-              <a:rPr lang="en-GB" sz="1100" dirty="0" smtClean="0">
-                <a:solidFill>
-                  <a:srgbClr val="024B76"/>
-                </a:solidFill>
-                <a:latin typeface="Arial Rounded MT Bold" panose="020F0704030504030204" pitchFamily="34" charset="0"/>
-              </a:rPr>
-              <a:t>Reallocation</a:t>
-            </a:r>
-            <a:endParaRPr lang="es-CO" sz="1100" dirty="0">
-              <a:solidFill>
-                <a:srgbClr val="024B76"/>
-              </a:solidFill>
-              <a:latin typeface="Arial Rounded MT Bold" panose="020F0704030504030204" pitchFamily="34" charset="0"/>
-            </a:endParaRPr>
-          </a:p>
-        </p:txBody>
-      </p:sp>
-      <p:cxnSp>
-        <p:nvCxnSpPr>
-          <p:cNvPr id="73" name="Straight Connector 72"/>
-          <p:cNvCxnSpPr/>
-          <p:nvPr/>
-        </p:nvCxnSpPr>
-        <p:spPr>
-          <a:xfrm flipV="1">
-            <a:off x="8733748" y="1548000"/>
-            <a:ext cx="1800000" cy="1663"/>
-          </a:xfrm>
-          <a:prstGeom prst="line">
-            <a:avLst/>
-          </a:prstGeom>
-          <a:ln>
-            <a:solidFill>
-              <a:schemeClr val="bg2"/>
-            </a:solidFill>
-          </a:ln>
-        </p:spPr>
-        <p:style>
-          <a:lnRef idx="1">
-            <a:schemeClr val="accent1"/>
-          </a:lnRef>
-          <a:fillRef idx="0">
-            <a:schemeClr val="accent1"/>
-          </a:fillRef>
-          <a:effectRef idx="0">
-            <a:schemeClr val="accent1"/>
-          </a:effectRef>
-          <a:fontRef idx="minor">
-            <a:schemeClr val="tx1"/>
-          </a:fontRef>
-        </p:style>
-      </p:cxnSp>
-      <p:sp>
-        <p:nvSpPr>
-          <p:cNvPr id="74" name="TextBox 73"/>
-          <p:cNvSpPr txBox="1"/>
-          <p:nvPr/>
-        </p:nvSpPr>
-        <p:spPr>
-          <a:xfrm>
-            <a:off x="10897385" y="1260000"/>
-            <a:ext cx="2066517" cy="261610"/>
-          </a:xfrm>
-          <a:prstGeom prst="rect">
-            <a:avLst/>
-          </a:prstGeom>
-          <a:noFill/>
-        </p:spPr>
-        <p:txBody>
-          <a:bodyPr wrap="square" rtlCol="0">
-            <a:spAutoFit/>
-          </a:bodyPr>
-          <a:lstStyle/>
-          <a:p>
-            <a:r>
-              <a:rPr lang="en-GB" sz="1100" dirty="0" smtClean="0">
-                <a:solidFill>
-                  <a:srgbClr val="024B76"/>
-                </a:solidFill>
-                <a:latin typeface="Arial Rounded MT Bold" panose="020F0704030504030204" pitchFamily="34" charset="0"/>
-              </a:rPr>
-              <a:t>Greenfield</a:t>
-            </a:r>
-            <a:endParaRPr lang="es-CO" sz="1100" dirty="0">
-              <a:solidFill>
-                <a:srgbClr val="024B76"/>
-              </a:solidFill>
-              <a:latin typeface="Arial Rounded MT Bold" panose="020F0704030504030204" pitchFamily="34" charset="0"/>
-            </a:endParaRPr>
-          </a:p>
-        </p:txBody>
-      </p:sp>
-      <p:cxnSp>
-        <p:nvCxnSpPr>
-          <p:cNvPr id="75" name="Straight Connector 74"/>
-          <p:cNvCxnSpPr/>
-          <p:nvPr/>
-        </p:nvCxnSpPr>
-        <p:spPr>
-          <a:xfrm flipV="1">
-            <a:off x="10713785" y="1548000"/>
-            <a:ext cx="1260000" cy="1663"/>
+            <a:off x="1887383" y="301896"/>
+            <a:ext cx="7895" cy="535352"/>
           </a:xfrm>
           <a:prstGeom prst="line">
             <a:avLst/>

--- a/unlvr_viz/new_design/ppt/Final_F.pptx
+++ b/unlvr_viz/new_design/ppt/Final_F.pptx
@@ -215,7 +215,7 @@
           <a:p>
             <a:fld id="{E9A9173D-B691-4BD6-9BCA-73129A31E3AD}" type="datetimeFigureOut">
               <a:rPr lang="es-CO" smtClean="0"/>
-              <a:t>28/02/2016</a:t>
+              <a:t>29/02/2016</a:t>
             </a:fld>
             <a:endParaRPr lang="es-CO"/>
           </a:p>
@@ -1118,7 +1118,7 @@
           <a:p>
             <a:fld id="{F47D8D99-AB75-40A3-AAEB-B056E1874216}" type="datetimeFigureOut">
               <a:rPr lang="es-ES" smtClean="0"/>
-              <a:t>28/02/2016</a:t>
+              <a:t>29/02/2016</a:t>
             </a:fld>
             <a:endParaRPr lang="es-ES"/>
           </a:p>
@@ -1288,7 +1288,7 @@
           <a:p>
             <a:fld id="{F47D8D99-AB75-40A3-AAEB-B056E1874216}" type="datetimeFigureOut">
               <a:rPr lang="es-ES" smtClean="0"/>
-              <a:t>28/02/2016</a:t>
+              <a:t>29/02/2016</a:t>
             </a:fld>
             <a:endParaRPr lang="es-ES"/>
           </a:p>
@@ -1468,7 +1468,7 @@
           <a:p>
             <a:fld id="{F47D8D99-AB75-40A3-AAEB-B056E1874216}" type="datetimeFigureOut">
               <a:rPr lang="es-ES" smtClean="0"/>
-              <a:t>28/02/2016</a:t>
+              <a:t>29/02/2016</a:t>
             </a:fld>
             <a:endParaRPr lang="es-ES"/>
           </a:p>
@@ -1638,7 +1638,7 @@
           <a:p>
             <a:fld id="{F47D8D99-AB75-40A3-AAEB-B056E1874216}" type="datetimeFigureOut">
               <a:rPr lang="es-ES" smtClean="0"/>
-              <a:t>28/02/2016</a:t>
+              <a:t>29/02/2016</a:t>
             </a:fld>
             <a:endParaRPr lang="es-ES"/>
           </a:p>
@@ -1884,7 +1884,7 @@
           <a:p>
             <a:fld id="{F47D8D99-AB75-40A3-AAEB-B056E1874216}" type="datetimeFigureOut">
               <a:rPr lang="es-ES" smtClean="0"/>
-              <a:t>28/02/2016</a:t>
+              <a:t>29/02/2016</a:t>
             </a:fld>
             <a:endParaRPr lang="es-ES"/>
           </a:p>
@@ -2116,7 +2116,7 @@
           <a:p>
             <a:fld id="{F47D8D99-AB75-40A3-AAEB-B056E1874216}" type="datetimeFigureOut">
               <a:rPr lang="es-ES" smtClean="0"/>
-              <a:t>28/02/2016</a:t>
+              <a:t>29/02/2016</a:t>
             </a:fld>
             <a:endParaRPr lang="es-ES"/>
           </a:p>
@@ -2483,7 +2483,7 @@
           <a:p>
             <a:fld id="{F47D8D99-AB75-40A3-AAEB-B056E1874216}" type="datetimeFigureOut">
               <a:rPr lang="es-ES" smtClean="0"/>
-              <a:t>28/02/2016</a:t>
+              <a:t>29/02/2016</a:t>
             </a:fld>
             <a:endParaRPr lang="es-ES"/>
           </a:p>
@@ -2601,7 +2601,7 @@
           <a:p>
             <a:fld id="{F47D8D99-AB75-40A3-AAEB-B056E1874216}" type="datetimeFigureOut">
               <a:rPr lang="es-ES" smtClean="0"/>
-              <a:t>28/02/2016</a:t>
+              <a:t>29/02/2016</a:t>
             </a:fld>
             <a:endParaRPr lang="es-ES"/>
           </a:p>
@@ -2696,7 +2696,7 @@
           <a:p>
             <a:fld id="{F47D8D99-AB75-40A3-AAEB-B056E1874216}" type="datetimeFigureOut">
               <a:rPr lang="es-ES" smtClean="0"/>
-              <a:t>28/02/2016</a:t>
+              <a:t>29/02/2016</a:t>
             </a:fld>
             <a:endParaRPr lang="es-ES"/>
           </a:p>
@@ -2973,7 +2973,7 @@
           <a:p>
             <a:fld id="{F47D8D99-AB75-40A3-AAEB-B056E1874216}" type="datetimeFigureOut">
               <a:rPr lang="es-ES" smtClean="0"/>
-              <a:t>28/02/2016</a:t>
+              <a:t>29/02/2016</a:t>
             </a:fld>
             <a:endParaRPr lang="es-ES"/>
           </a:p>
@@ -3226,7 +3226,7 @@
           <a:p>
             <a:fld id="{F47D8D99-AB75-40A3-AAEB-B056E1874216}" type="datetimeFigureOut">
               <a:rPr lang="es-ES" smtClean="0"/>
-              <a:t>28/02/2016</a:t>
+              <a:t>29/02/2016</a:t>
             </a:fld>
             <a:endParaRPr lang="es-ES"/>
           </a:p>
@@ -3439,7 +3439,7 @@
           <a:p>
             <a:fld id="{F47D8D99-AB75-40A3-AAEB-B056E1874216}" type="datetimeFigureOut">
               <a:rPr lang="es-ES" smtClean="0"/>
-              <a:t>28/02/2016</a:t>
+              <a:t>29/02/2016</a:t>
             </a:fld>
             <a:endParaRPr lang="es-ES"/>
           </a:p>
@@ -8701,7 +8701,7 @@
         </p:blipFill>
         <p:spPr>
           <a:xfrm>
-            <a:off x="-1" y="0"/>
+            <a:off x="2134960" y="857250"/>
             <a:ext cx="8055429" cy="6904654"/>
           </a:xfrm>
           <a:prstGeom prst="rect">
@@ -8855,7 +8855,7 @@
         </p:nvSpPr>
         <p:spPr>
           <a:xfrm>
-            <a:off x="6137275" y="2921000"/>
+            <a:off x="5648325" y="3905250"/>
             <a:ext cx="342900" cy="457200"/>
           </a:xfrm>
           <a:prstGeom prst="rect">
